--- a/Plantila-Presentacion-SENA___ (3).pptx
+++ b/Plantila-Presentacion-SENA___ (3).pptx
@@ -265,7 +265,7 @@
           <a:p>
             <a:fld id="{4E4206E0-8F38-491F-8DD8-9DEF31DAB11E}" type="datetimeFigureOut">
               <a:rPr lang="es-CO" smtClean="0"/>
-              <a:t>11/12/2021</a:t>
+              <a:t>26/03/2022</a:t>
             </a:fld>
             <a:endParaRPr lang="es-CO"/>
           </a:p>
@@ -430,7 +430,7 @@
           <a:p>
             <a:fld id="{AE0482C7-101C-437A-A59D-2A6753287E51}" type="datetimeFigureOut">
               <a:rPr lang="es-CO" smtClean="0"/>
-              <a:t>11/12/2021</a:t>
+              <a:t>26/03/2022</a:t>
             </a:fld>
             <a:endParaRPr lang="es-CO"/>
           </a:p>
@@ -494,35 +494,35 @@
           <a:p>
             <a:pPr lvl="0"/>
             <a:r>
-              <a:rPr lang="es-ES" smtClean="0"/>
+              <a:rPr lang="es-ES"/>
               <a:t>Haga clic para modificar el estilo de texto del patrón</a:t>
             </a:r>
           </a:p>
           <a:p>
             <a:pPr lvl="1"/>
             <a:r>
-              <a:rPr lang="es-ES" smtClean="0"/>
+              <a:rPr lang="es-ES"/>
               <a:t>Segundo nivel</a:t>
             </a:r>
           </a:p>
           <a:p>
             <a:pPr lvl="2"/>
             <a:r>
-              <a:rPr lang="es-ES" smtClean="0"/>
+              <a:rPr lang="es-ES"/>
               <a:t>Tercer nivel</a:t>
             </a:r>
           </a:p>
           <a:p>
             <a:pPr lvl="3"/>
             <a:r>
-              <a:rPr lang="es-ES" smtClean="0"/>
+              <a:rPr lang="es-ES"/>
               <a:t>Cuarto nivel</a:t>
             </a:r>
           </a:p>
           <a:p>
             <a:pPr lvl="4"/>
             <a:r>
-              <a:rPr lang="es-ES" smtClean="0"/>
+              <a:rPr lang="es-ES"/>
               <a:t>Quinto nivel</a:t>
             </a:r>
             <a:endParaRPr lang="es-CO"/>
@@ -827,35 +827,35 @@
           <a:lstStyle/>
           <a:p>
             <a:r>
-              <a:rPr lang="es-CO" dirty="0" smtClean="0"/>
+              <a:rPr lang="es-CO" dirty="0"/>
               <a:t>Actualmente el negocio no cuenta con un</a:t>
             </a:r>
             <a:r>
-              <a:rPr lang="es-CO" baseline="0" dirty="0" smtClean="0"/>
+              <a:rPr lang="es-CO" baseline="0" dirty="0"/>
               <a:t> sistema digital que le permita aumentar sus ventas y llevar un seguimiento de sus productos;  con este sistema de información buscamos impactar mediante los sistemas digitales una pagina web y una </a:t>
             </a:r>
             <a:r>
-              <a:rPr lang="es-CO" baseline="0" dirty="0" err="1" smtClean="0"/>
+              <a:rPr lang="es-CO" baseline="0" dirty="0" err="1"/>
               <a:t>app</a:t>
             </a:r>
             <a:r>
-              <a:rPr lang="es-CO" baseline="0" dirty="0" smtClean="0"/>
+              <a:rPr lang="es-CO" baseline="0" dirty="0"/>
               <a:t> que permita reforzar el sistema de ventas del local mediante domicilios </a:t>
             </a:r>
             <a:r>
-              <a:rPr lang="es-CO" baseline="0" dirty="0" err="1" smtClean="0"/>
+              <a:rPr lang="es-CO" baseline="0" dirty="0" err="1"/>
               <a:t>via</a:t>
             </a:r>
             <a:r>
-              <a:rPr lang="es-CO" baseline="0" dirty="0" smtClean="0"/>
+              <a:rPr lang="es-CO" baseline="0" dirty="0"/>
               <a:t> web y dispositivos móviles a su vez reforzando el sistema de </a:t>
             </a:r>
             <a:r>
-              <a:rPr lang="es-CO" baseline="0" dirty="0" err="1" smtClean="0"/>
+              <a:rPr lang="es-CO" baseline="0" dirty="0" err="1"/>
               <a:t>invatario</a:t>
             </a:r>
             <a:r>
-              <a:rPr lang="es-CO" baseline="0" dirty="0" smtClean="0"/>
+              <a:rPr lang="es-CO" baseline="0" dirty="0"/>
               <a:t> que manejan en dicho lugar.</a:t>
             </a:r>
             <a:endParaRPr lang="es-CO" dirty="0"/>
@@ -943,19 +943,19 @@
           <a:lstStyle/>
           <a:p>
             <a:r>
-              <a:rPr lang="es-CO" dirty="0" smtClean="0"/>
+              <a:rPr lang="es-CO" dirty="0"/>
               <a:t>Desarrollar un software de inventariado y domicilios que permita fortalecer en el ámbito</a:t>
             </a:r>
             <a:r>
-              <a:rPr lang="es-CO" baseline="0" dirty="0" smtClean="0"/>
+              <a:rPr lang="es-CO" baseline="0" dirty="0"/>
               <a:t> digital en el negocio DELI PIZZA con el fin de aumentar sus ventas dentro y fuera del sector mediante un </a:t>
             </a:r>
             <a:r>
-              <a:rPr lang="es-CO" baseline="0" dirty="0" err="1" smtClean="0"/>
+              <a:rPr lang="es-CO" baseline="0" dirty="0" err="1"/>
               <a:t>app</a:t>
             </a:r>
             <a:r>
-              <a:rPr lang="es-CO" baseline="0" dirty="0" smtClean="0"/>
+              <a:rPr lang="es-CO" baseline="0" dirty="0"/>
               <a:t> y una pagina web que cumpla dichos requisitos que queremos resolver.</a:t>
             </a:r>
             <a:endParaRPr lang="es-CO" dirty="0"/>
@@ -1129,7 +1129,7 @@
           <a:noFill/>
           <a:extLst>
             <a:ext uri="{909E8E84-426E-40dd-AFC4-6F175D3DCCD1}">
-              <a14:hiddenFill xmlns:a14="http://schemas.microsoft.com/office/drawing/2010/main" xmlns="">
+              <a14:hiddenFill xmlns="" xmlns:a14="http://schemas.microsoft.com/office/drawing/2010/main">
                 <a:solidFill>
                   <a:srgbClr val="FFFFFF"/>
                 </a:solidFill>
@@ -1155,7 +1155,7 @@
           <a:p>
             <a:fld id="{483D03DC-5ED8-7A42-A55E-C10C004AFC42}" type="datetimeFigureOut">
               <a:rPr lang="es-ES" smtClean="0"/>
-              <a:t>11/12/2021</a:t>
+              <a:t>26/03/2022</a:t>
             </a:fld>
             <a:endParaRPr lang="es-ES"/>
           </a:p>
@@ -1237,14 +1237,14 @@
           <a:effectLst/>
           <a:extLst>
             <a:ext uri="{909E8E84-426E-40dd-AFC4-6F175D3DCCD1}">
-              <a14:hiddenFill xmlns:a14="http://schemas.microsoft.com/office/drawing/2010/main" xmlns="">
+              <a14:hiddenFill xmlns="" xmlns:a14="http://schemas.microsoft.com/office/drawing/2010/main">
                 <a:solidFill>
                   <a:schemeClr val="accent1"/>
                 </a:solidFill>
               </a14:hiddenFill>
             </a:ext>
             <a:ext uri="{91240B29-F687-4f45-9708-019B960494DF}">
-              <a14:hiddenLine xmlns:a14="http://schemas.microsoft.com/office/drawing/2010/main" xmlns="" w="9525">
+              <a14:hiddenLine xmlns="" xmlns:a14="http://schemas.microsoft.com/office/drawing/2010/main" w="9525">
                 <a:solidFill>
                   <a:schemeClr val="tx1"/>
                 </a:solidFill>
@@ -1254,7 +1254,7 @@
               </a14:hiddenLine>
             </a:ext>
             <a:ext uri="{AF507438-7753-43e0-B8FC-AC1667EBCBE1}">
-              <a14:hiddenEffects xmlns:a14="http://schemas.microsoft.com/office/drawing/2010/main" xmlns="">
+              <a14:hiddenEffects xmlns="" xmlns:a14="http://schemas.microsoft.com/office/drawing/2010/main">
                 <a:effectLst>
                   <a:outerShdw dist="35921" dir="2700000" algn="ctr" rotWithShape="0">
                     <a:schemeClr val="bg2"/>
@@ -1301,14 +1301,14 @@
           <a:effectLst/>
           <a:extLst>
             <a:ext uri="{909E8E84-426E-40dd-AFC4-6F175D3DCCD1}">
-              <a14:hiddenFill xmlns:a14="http://schemas.microsoft.com/office/drawing/2010/main" xmlns="">
+              <a14:hiddenFill xmlns="" xmlns:a14="http://schemas.microsoft.com/office/drawing/2010/main">
                 <a:solidFill>
                   <a:schemeClr val="accent1"/>
                 </a:solidFill>
               </a14:hiddenFill>
             </a:ext>
             <a:ext uri="{91240B29-F687-4f45-9708-019B960494DF}">
-              <a14:hiddenLine xmlns:a14="http://schemas.microsoft.com/office/drawing/2010/main" xmlns="" w="9525">
+              <a14:hiddenLine xmlns="" xmlns:a14="http://schemas.microsoft.com/office/drawing/2010/main" w="9525">
                 <a:solidFill>
                   <a:schemeClr val="tx1"/>
                 </a:solidFill>
@@ -1318,7 +1318,7 @@
               </a14:hiddenLine>
             </a:ext>
             <a:ext uri="{AF507438-7753-43e0-B8FC-AC1667EBCBE1}">
-              <a14:hiddenEffects xmlns:a14="http://schemas.microsoft.com/office/drawing/2010/main" xmlns="">
+              <a14:hiddenEffects xmlns="" xmlns:a14="http://schemas.microsoft.com/office/drawing/2010/main">
                 <a:effectLst>
                   <a:outerShdw dist="35921" dir="2700000" algn="ctr" rotWithShape="0">
                     <a:schemeClr val="bg2"/>
@@ -1365,14 +1365,14 @@
           <a:effectLst/>
           <a:extLst>
             <a:ext uri="{909E8E84-426E-40dd-AFC4-6F175D3DCCD1}">
-              <a14:hiddenFill xmlns:a14="http://schemas.microsoft.com/office/drawing/2010/main" xmlns="">
+              <a14:hiddenFill xmlns="" xmlns:a14="http://schemas.microsoft.com/office/drawing/2010/main">
                 <a:solidFill>
                   <a:schemeClr val="accent1"/>
                 </a:solidFill>
               </a14:hiddenFill>
             </a:ext>
             <a:ext uri="{91240B29-F687-4f45-9708-019B960494DF}">
-              <a14:hiddenLine xmlns:a14="http://schemas.microsoft.com/office/drawing/2010/main" xmlns="" w="9525">
+              <a14:hiddenLine xmlns="" xmlns:a14="http://schemas.microsoft.com/office/drawing/2010/main" w="9525">
                 <a:solidFill>
                   <a:schemeClr val="tx1"/>
                 </a:solidFill>
@@ -1382,7 +1382,7 @@
               </a14:hiddenLine>
             </a:ext>
             <a:ext uri="{AF507438-7753-43e0-B8FC-AC1667EBCBE1}">
-              <a14:hiddenEffects xmlns:a14="http://schemas.microsoft.com/office/drawing/2010/main" xmlns="">
+              <a14:hiddenEffects xmlns="" xmlns:a14="http://schemas.microsoft.com/office/drawing/2010/main">
                 <a:effectLst>
                   <a:outerShdw dist="35921" dir="2700000" algn="ctr" rotWithShape="0">
                     <a:schemeClr val="bg2"/>
@@ -1453,7 +1453,7 @@
           <a:noFill/>
           <a:extLst>
             <a:ext uri="{909E8E84-426E-40dd-AFC4-6F175D3DCCD1}">
-              <a14:hiddenFill xmlns:a14="http://schemas.microsoft.com/office/drawing/2010/main" xmlns="">
+              <a14:hiddenFill xmlns="" xmlns:a14="http://schemas.microsoft.com/office/drawing/2010/main">
                 <a:solidFill>
                   <a:srgbClr val="FFFFFF"/>
                 </a:solidFill>
@@ -1553,14 +1553,14 @@
             <a:effectLst/>
             <a:extLst>
               <a:ext uri="{909E8E84-426E-40dd-AFC4-6F175D3DCCD1}">
-                <a14:hiddenFill xmlns:a14="http://schemas.microsoft.com/office/drawing/2010/main" xmlns="">
+                <a14:hiddenFill xmlns="" xmlns:a14="http://schemas.microsoft.com/office/drawing/2010/main">
                   <a:solidFill>
                     <a:schemeClr val="accent1"/>
                   </a:solidFill>
                 </a14:hiddenFill>
               </a:ext>
               <a:ext uri="{91240B29-F687-4f45-9708-019B960494DF}">
-                <a14:hiddenLine xmlns:a14="http://schemas.microsoft.com/office/drawing/2010/main" xmlns="" w="9525">
+                <a14:hiddenLine xmlns="" xmlns:a14="http://schemas.microsoft.com/office/drawing/2010/main" w="9525">
                   <a:solidFill>
                     <a:schemeClr val="tx1"/>
                   </a:solidFill>
@@ -1570,7 +1570,7 @@
                 </a14:hiddenLine>
               </a:ext>
               <a:ext uri="{AF507438-7753-43e0-B8FC-AC1667EBCBE1}">
-                <a14:hiddenEffects xmlns:a14="http://schemas.microsoft.com/office/drawing/2010/main" xmlns="">
+                <a14:hiddenEffects xmlns="" xmlns:a14="http://schemas.microsoft.com/office/drawing/2010/main">
                   <a:effectLst>
                     <a:outerShdw dist="35921" dir="2700000" algn="ctr" rotWithShape="0">
                       <a:schemeClr val="bg2"/>
@@ -1615,14 +1615,14 @@
             <a:effectLst/>
             <a:extLst>
               <a:ext uri="{909E8E84-426E-40dd-AFC4-6F175D3DCCD1}">
-                <a14:hiddenFill xmlns:a14="http://schemas.microsoft.com/office/drawing/2010/main" xmlns="">
+                <a14:hiddenFill xmlns="" xmlns:a14="http://schemas.microsoft.com/office/drawing/2010/main">
                   <a:solidFill>
                     <a:schemeClr val="accent1"/>
                   </a:solidFill>
                 </a14:hiddenFill>
               </a:ext>
               <a:ext uri="{91240B29-F687-4f45-9708-019B960494DF}">
-                <a14:hiddenLine xmlns:a14="http://schemas.microsoft.com/office/drawing/2010/main" xmlns="" w="9525">
+                <a14:hiddenLine xmlns="" xmlns:a14="http://schemas.microsoft.com/office/drawing/2010/main" w="9525">
                   <a:solidFill>
                     <a:schemeClr val="tx1"/>
                   </a:solidFill>
@@ -1632,7 +1632,7 @@
                 </a14:hiddenLine>
               </a:ext>
               <a:ext uri="{AF507438-7753-43e0-B8FC-AC1667EBCBE1}">
-                <a14:hiddenEffects xmlns:a14="http://schemas.microsoft.com/office/drawing/2010/main" xmlns="">
+                <a14:hiddenEffects xmlns="" xmlns:a14="http://schemas.microsoft.com/office/drawing/2010/main">
                   <a:effectLst>
                     <a:outerShdw dist="35921" dir="2700000" algn="ctr" rotWithShape="0">
                       <a:schemeClr val="bg2"/>
@@ -1824,7 +1824,7 @@
           <a:p>
             <a:fld id="{483D03DC-5ED8-7A42-A55E-C10C004AFC42}" type="datetimeFigureOut">
               <a:rPr lang="es-ES" smtClean="0"/>
-              <a:t>11/12/2021</a:t>
+              <a:t>26/03/2022</a:t>
             </a:fld>
             <a:endParaRPr lang="es-ES" dirty="0"/>
           </a:p>
@@ -1908,14 +1908,14 @@
           <a:effectLst/>
           <a:extLst>
             <a:ext uri="{909E8E84-426E-40dd-AFC4-6F175D3DCCD1}">
-              <a14:hiddenFill xmlns:a14="http://schemas.microsoft.com/office/drawing/2010/main" xmlns="">
+              <a14:hiddenFill xmlns="" xmlns:a14="http://schemas.microsoft.com/office/drawing/2010/main">
                 <a:solidFill>
                   <a:schemeClr val="accent1"/>
                 </a:solidFill>
               </a14:hiddenFill>
             </a:ext>
             <a:ext uri="{91240B29-F687-4f45-9708-019B960494DF}">
-              <a14:hiddenLine xmlns:a14="http://schemas.microsoft.com/office/drawing/2010/main" xmlns="" w="9525">
+              <a14:hiddenLine xmlns="" xmlns:a14="http://schemas.microsoft.com/office/drawing/2010/main" w="9525">
                 <a:solidFill>
                   <a:schemeClr val="tx1"/>
                 </a:solidFill>
@@ -1925,7 +1925,7 @@
               </a14:hiddenLine>
             </a:ext>
             <a:ext uri="{AF507438-7753-43e0-B8FC-AC1667EBCBE1}">
-              <a14:hiddenEffects xmlns:a14="http://schemas.microsoft.com/office/drawing/2010/main" xmlns="">
+              <a14:hiddenEffects xmlns="" xmlns:a14="http://schemas.microsoft.com/office/drawing/2010/main">
                 <a:effectLst>
                   <a:outerShdw dist="35921" dir="2700000" algn="ctr" rotWithShape="0">
                     <a:schemeClr val="bg2"/>
@@ -1983,7 +1983,7 @@
           <a:p>
             <a:fld id="{483D03DC-5ED8-7A42-A55E-C10C004AFC42}" type="datetimeFigureOut">
               <a:rPr lang="es-ES" smtClean="0"/>
-              <a:t>11/12/2021</a:t>
+              <a:t>26/03/2022</a:t>
             </a:fld>
             <a:endParaRPr lang="es-ES"/>
           </a:p>
@@ -2061,7 +2061,7 @@
           <a:noFill/>
           <a:extLst>
             <a:ext uri="{909E8E84-426E-40dd-AFC4-6F175D3DCCD1}">
-              <a14:hiddenFill xmlns:a14="http://schemas.microsoft.com/office/drawing/2010/main" xmlns="">
+              <a14:hiddenFill xmlns="" xmlns:a14="http://schemas.microsoft.com/office/drawing/2010/main">
                 <a:solidFill>
                   <a:srgbClr val="FFFFFF"/>
                 </a:solidFill>
@@ -2310,14 +2310,14 @@
           <a:effectLst/>
           <a:extLst>
             <a:ext uri="{909E8E84-426E-40dd-AFC4-6F175D3DCCD1}">
-              <a14:hiddenFill xmlns:a14="http://schemas.microsoft.com/office/drawing/2010/main" xmlns="">
+              <a14:hiddenFill xmlns="" xmlns:a14="http://schemas.microsoft.com/office/drawing/2010/main">
                 <a:solidFill>
                   <a:schemeClr val="accent1"/>
                 </a:solidFill>
               </a14:hiddenFill>
             </a:ext>
             <a:ext uri="{91240B29-F687-4f45-9708-019B960494DF}">
-              <a14:hiddenLine xmlns:a14="http://schemas.microsoft.com/office/drawing/2010/main" xmlns="" w="9525">
+              <a14:hiddenLine xmlns="" xmlns:a14="http://schemas.microsoft.com/office/drawing/2010/main" w="9525">
                 <a:solidFill>
                   <a:schemeClr val="tx1"/>
                 </a:solidFill>
@@ -2327,7 +2327,7 @@
               </a14:hiddenLine>
             </a:ext>
             <a:ext uri="{AF507438-7753-43e0-B8FC-AC1667EBCBE1}">
-              <a14:hiddenEffects xmlns:a14="http://schemas.microsoft.com/office/drawing/2010/main" xmlns="">
+              <a14:hiddenEffects xmlns="" xmlns:a14="http://schemas.microsoft.com/office/drawing/2010/main">
                 <a:effectLst>
                   <a:outerShdw dist="35921" dir="2700000" algn="ctr" rotWithShape="0">
                     <a:schemeClr val="bg2"/>
@@ -2374,14 +2374,14 @@
           <a:effectLst/>
           <a:extLst>
             <a:ext uri="{909E8E84-426E-40dd-AFC4-6F175D3DCCD1}">
-              <a14:hiddenFill xmlns:a14="http://schemas.microsoft.com/office/drawing/2010/main" xmlns="">
+              <a14:hiddenFill xmlns="" xmlns:a14="http://schemas.microsoft.com/office/drawing/2010/main">
                 <a:solidFill>
                   <a:schemeClr val="accent1"/>
                 </a:solidFill>
               </a14:hiddenFill>
             </a:ext>
             <a:ext uri="{91240B29-F687-4f45-9708-019B960494DF}">
-              <a14:hiddenLine xmlns:a14="http://schemas.microsoft.com/office/drawing/2010/main" xmlns="" w="9525">
+              <a14:hiddenLine xmlns="" xmlns:a14="http://schemas.microsoft.com/office/drawing/2010/main" w="9525">
                 <a:solidFill>
                   <a:schemeClr val="tx1"/>
                 </a:solidFill>
@@ -2391,7 +2391,7 @@
               </a14:hiddenLine>
             </a:ext>
             <a:ext uri="{AF507438-7753-43e0-B8FC-AC1667EBCBE1}">
-              <a14:hiddenEffects xmlns:a14="http://schemas.microsoft.com/office/drawing/2010/main" xmlns="">
+              <a14:hiddenEffects xmlns="" xmlns:a14="http://schemas.microsoft.com/office/drawing/2010/main">
                 <a:effectLst>
                   <a:outerShdw dist="35921" dir="2700000" algn="ctr" rotWithShape="0">
                     <a:schemeClr val="bg2"/>
@@ -2438,14 +2438,14 @@
           <a:effectLst/>
           <a:extLst>
             <a:ext uri="{909E8E84-426E-40dd-AFC4-6F175D3DCCD1}">
-              <a14:hiddenFill xmlns:a14="http://schemas.microsoft.com/office/drawing/2010/main" xmlns="">
+              <a14:hiddenFill xmlns="" xmlns:a14="http://schemas.microsoft.com/office/drawing/2010/main">
                 <a:solidFill>
                   <a:schemeClr val="accent1"/>
                 </a:solidFill>
               </a14:hiddenFill>
             </a:ext>
             <a:ext uri="{91240B29-F687-4f45-9708-019B960494DF}">
-              <a14:hiddenLine xmlns:a14="http://schemas.microsoft.com/office/drawing/2010/main" xmlns="" w="9525">
+              <a14:hiddenLine xmlns="" xmlns:a14="http://schemas.microsoft.com/office/drawing/2010/main" w="9525">
                 <a:solidFill>
                   <a:schemeClr val="tx1"/>
                 </a:solidFill>
@@ -2455,7 +2455,7 @@
               </a14:hiddenLine>
             </a:ext>
             <a:ext uri="{AF507438-7753-43e0-B8FC-AC1667EBCBE1}">
-              <a14:hiddenEffects xmlns:a14="http://schemas.microsoft.com/office/drawing/2010/main" xmlns="">
+              <a14:hiddenEffects xmlns="" xmlns:a14="http://schemas.microsoft.com/office/drawing/2010/main">
                 <a:effectLst>
                   <a:outerShdw dist="35921" dir="2700000" algn="ctr" rotWithShape="0">
                     <a:schemeClr val="bg2"/>
@@ -2513,7 +2513,7 @@
           <a:p>
             <a:fld id="{483D03DC-5ED8-7A42-A55E-C10C004AFC42}" type="datetimeFigureOut">
               <a:rPr lang="es-ES" smtClean="0"/>
-              <a:t>11/12/2021</a:t>
+              <a:t>26/03/2022</a:t>
             </a:fld>
             <a:endParaRPr lang="es-ES"/>
           </a:p>
@@ -2591,7 +2591,7 @@
           <a:noFill/>
           <a:extLst>
             <a:ext uri="{909E8E84-426E-40dd-AFC4-6F175D3DCCD1}">
-              <a14:hiddenFill xmlns:a14="http://schemas.microsoft.com/office/drawing/2010/main" xmlns="">
+              <a14:hiddenFill xmlns="" xmlns:a14="http://schemas.microsoft.com/office/drawing/2010/main">
                 <a:solidFill>
                   <a:srgbClr val="FFFFFF"/>
                 </a:solidFill>
@@ -2843,14 +2843,14 @@
           <a:effectLst/>
           <a:extLst>
             <a:ext uri="{909E8E84-426E-40dd-AFC4-6F175D3DCCD1}">
-              <a14:hiddenFill xmlns:a14="http://schemas.microsoft.com/office/drawing/2010/main" xmlns="">
+              <a14:hiddenFill xmlns="" xmlns:a14="http://schemas.microsoft.com/office/drawing/2010/main">
                 <a:solidFill>
                   <a:schemeClr val="accent1"/>
                 </a:solidFill>
               </a14:hiddenFill>
             </a:ext>
             <a:ext uri="{91240B29-F687-4f45-9708-019B960494DF}">
-              <a14:hiddenLine xmlns:a14="http://schemas.microsoft.com/office/drawing/2010/main" xmlns="" w="9525">
+              <a14:hiddenLine xmlns="" xmlns:a14="http://schemas.microsoft.com/office/drawing/2010/main" w="9525">
                 <a:solidFill>
                   <a:schemeClr val="tx1"/>
                 </a:solidFill>
@@ -2860,7 +2860,7 @@
               </a14:hiddenLine>
             </a:ext>
             <a:ext uri="{AF507438-7753-43e0-B8FC-AC1667EBCBE1}">
-              <a14:hiddenEffects xmlns:a14="http://schemas.microsoft.com/office/drawing/2010/main" xmlns="">
+              <a14:hiddenEffects xmlns="" xmlns:a14="http://schemas.microsoft.com/office/drawing/2010/main">
                 <a:effectLst>
                   <a:outerShdw dist="35921" dir="2700000" algn="ctr" rotWithShape="0">
                     <a:schemeClr val="bg2"/>
@@ -2907,14 +2907,14 @@
           <a:effectLst/>
           <a:extLst>
             <a:ext uri="{909E8E84-426E-40dd-AFC4-6F175D3DCCD1}">
-              <a14:hiddenFill xmlns:a14="http://schemas.microsoft.com/office/drawing/2010/main" xmlns="">
+              <a14:hiddenFill xmlns="" xmlns:a14="http://schemas.microsoft.com/office/drawing/2010/main">
                 <a:solidFill>
                   <a:schemeClr val="accent1"/>
                 </a:solidFill>
               </a14:hiddenFill>
             </a:ext>
             <a:ext uri="{91240B29-F687-4f45-9708-019B960494DF}">
-              <a14:hiddenLine xmlns:a14="http://schemas.microsoft.com/office/drawing/2010/main" xmlns="" w="9525">
+              <a14:hiddenLine xmlns="" xmlns:a14="http://schemas.microsoft.com/office/drawing/2010/main" w="9525">
                 <a:solidFill>
                   <a:schemeClr val="tx1"/>
                 </a:solidFill>
@@ -2924,7 +2924,7 @@
               </a14:hiddenLine>
             </a:ext>
             <a:ext uri="{AF507438-7753-43e0-B8FC-AC1667EBCBE1}">
-              <a14:hiddenEffects xmlns:a14="http://schemas.microsoft.com/office/drawing/2010/main" xmlns="">
+              <a14:hiddenEffects xmlns="" xmlns:a14="http://schemas.microsoft.com/office/drawing/2010/main">
                 <a:effectLst>
                   <a:outerShdw dist="35921" dir="2700000" algn="ctr" rotWithShape="0">
                     <a:schemeClr val="bg2"/>
@@ -2971,14 +2971,14 @@
           <a:effectLst/>
           <a:extLst>
             <a:ext uri="{909E8E84-426E-40dd-AFC4-6F175D3DCCD1}">
-              <a14:hiddenFill xmlns:a14="http://schemas.microsoft.com/office/drawing/2010/main" xmlns="">
+              <a14:hiddenFill xmlns="" xmlns:a14="http://schemas.microsoft.com/office/drawing/2010/main">
                 <a:solidFill>
                   <a:schemeClr val="accent1"/>
                 </a:solidFill>
               </a14:hiddenFill>
             </a:ext>
             <a:ext uri="{91240B29-F687-4f45-9708-019B960494DF}">
-              <a14:hiddenLine xmlns:a14="http://schemas.microsoft.com/office/drawing/2010/main" xmlns="" w="9525">
+              <a14:hiddenLine xmlns="" xmlns:a14="http://schemas.microsoft.com/office/drawing/2010/main" w="9525">
                 <a:solidFill>
                   <a:schemeClr val="tx1"/>
                 </a:solidFill>
@@ -2988,7 +2988,7 @@
               </a14:hiddenLine>
             </a:ext>
             <a:ext uri="{AF507438-7753-43e0-B8FC-AC1667EBCBE1}">
-              <a14:hiddenEffects xmlns:a14="http://schemas.microsoft.com/office/drawing/2010/main" xmlns="">
+              <a14:hiddenEffects xmlns="" xmlns:a14="http://schemas.microsoft.com/office/drawing/2010/main">
                 <a:effectLst>
                   <a:outerShdw dist="35921" dir="2700000" algn="ctr" rotWithShape="0">
                     <a:schemeClr val="bg2"/>
@@ -3046,7 +3046,7 @@
           <a:p>
             <a:fld id="{483D03DC-5ED8-7A42-A55E-C10C004AFC42}" type="datetimeFigureOut">
               <a:rPr lang="es-ES" smtClean="0"/>
-              <a:t>11/12/2021</a:t>
+              <a:t>26/03/2022</a:t>
             </a:fld>
             <a:endParaRPr lang="es-ES"/>
           </a:p>
@@ -3276,7 +3276,7 @@
           <a:p>
             <a:fld id="{483D03DC-5ED8-7A42-A55E-C10C004AFC42}" type="datetimeFigureOut">
               <a:rPr lang="es-ES" smtClean="0"/>
-              <a:t>11/12/2021</a:t>
+              <a:t>26/03/2022</a:t>
             </a:fld>
             <a:endParaRPr lang="es-ES"/>
           </a:p>
@@ -3519,7 +3519,7 @@
           <a:noFill/>
           <a:extLst>
             <a:ext uri="{909E8E84-426E-40dd-AFC4-6F175D3DCCD1}">
-              <a14:hiddenFill xmlns:a14="http://schemas.microsoft.com/office/drawing/2010/main" xmlns="">
+              <a14:hiddenFill xmlns="" xmlns:a14="http://schemas.microsoft.com/office/drawing/2010/main">
                 <a:solidFill>
                   <a:srgbClr val="FFFFFF"/>
                 </a:solidFill>
@@ -3619,14 +3619,14 @@
             <a:effectLst/>
             <a:extLst>
               <a:ext uri="{909E8E84-426E-40dd-AFC4-6F175D3DCCD1}">
-                <a14:hiddenFill xmlns:a14="http://schemas.microsoft.com/office/drawing/2010/main" xmlns="">
+                <a14:hiddenFill xmlns="" xmlns:a14="http://schemas.microsoft.com/office/drawing/2010/main">
                   <a:solidFill>
                     <a:schemeClr val="accent1"/>
                   </a:solidFill>
                 </a14:hiddenFill>
               </a:ext>
               <a:ext uri="{91240B29-F687-4f45-9708-019B960494DF}">
-                <a14:hiddenLine xmlns:a14="http://schemas.microsoft.com/office/drawing/2010/main" xmlns="" w="9525">
+                <a14:hiddenLine xmlns="" xmlns:a14="http://schemas.microsoft.com/office/drawing/2010/main" w="9525">
                   <a:solidFill>
                     <a:schemeClr val="tx1"/>
                   </a:solidFill>
@@ -3636,7 +3636,7 @@
                 </a14:hiddenLine>
               </a:ext>
               <a:ext uri="{AF507438-7753-43e0-B8FC-AC1667EBCBE1}">
-                <a14:hiddenEffects xmlns:a14="http://schemas.microsoft.com/office/drawing/2010/main" xmlns="">
+                <a14:hiddenEffects xmlns="" xmlns:a14="http://schemas.microsoft.com/office/drawing/2010/main">
                   <a:effectLst>
                     <a:outerShdw dist="35921" dir="2700000" algn="ctr" rotWithShape="0">
                       <a:schemeClr val="bg2"/>
@@ -3681,14 +3681,14 @@
             <a:effectLst/>
             <a:extLst>
               <a:ext uri="{909E8E84-426E-40dd-AFC4-6F175D3DCCD1}">
-                <a14:hiddenFill xmlns:a14="http://schemas.microsoft.com/office/drawing/2010/main" xmlns="">
+                <a14:hiddenFill xmlns="" xmlns:a14="http://schemas.microsoft.com/office/drawing/2010/main">
                   <a:solidFill>
                     <a:schemeClr val="accent1"/>
                   </a:solidFill>
                 </a14:hiddenFill>
               </a:ext>
               <a:ext uri="{91240B29-F687-4f45-9708-019B960494DF}">
-                <a14:hiddenLine xmlns:a14="http://schemas.microsoft.com/office/drawing/2010/main" xmlns="" w="9525">
+                <a14:hiddenLine xmlns="" xmlns:a14="http://schemas.microsoft.com/office/drawing/2010/main" w="9525">
                   <a:solidFill>
                     <a:schemeClr val="tx1"/>
                   </a:solidFill>
@@ -3698,7 +3698,7 @@
                 </a14:hiddenLine>
               </a:ext>
               <a:ext uri="{AF507438-7753-43e0-B8FC-AC1667EBCBE1}">
-                <a14:hiddenEffects xmlns:a14="http://schemas.microsoft.com/office/drawing/2010/main" xmlns="">
+                <a14:hiddenEffects xmlns="" xmlns:a14="http://schemas.microsoft.com/office/drawing/2010/main">
                   <a:effectLst>
                     <a:outerShdw dist="35921" dir="2700000" algn="ctr" rotWithShape="0">
                       <a:schemeClr val="bg2"/>
@@ -3745,14 +3745,14 @@
             <a:effectLst/>
             <a:extLst>
               <a:ext uri="{909E8E84-426E-40dd-AFC4-6F175D3DCCD1}">
-                <a14:hiddenFill xmlns:a14="http://schemas.microsoft.com/office/drawing/2010/main" xmlns="">
+                <a14:hiddenFill xmlns="" xmlns:a14="http://schemas.microsoft.com/office/drawing/2010/main">
                   <a:solidFill>
                     <a:schemeClr val="accent1"/>
                   </a:solidFill>
                 </a14:hiddenFill>
               </a:ext>
               <a:ext uri="{91240B29-F687-4f45-9708-019B960494DF}">
-                <a14:hiddenLine xmlns:a14="http://schemas.microsoft.com/office/drawing/2010/main" xmlns="" w="9525">
+                <a14:hiddenLine xmlns="" xmlns:a14="http://schemas.microsoft.com/office/drawing/2010/main" w="9525">
                   <a:solidFill>
                     <a:schemeClr val="tx1"/>
                   </a:solidFill>
@@ -3762,7 +3762,7 @@
                 </a14:hiddenLine>
               </a:ext>
               <a:ext uri="{AF507438-7753-43e0-B8FC-AC1667EBCBE1}">
-                <a14:hiddenEffects xmlns:a14="http://schemas.microsoft.com/office/drawing/2010/main" xmlns="">
+                <a14:hiddenEffects xmlns="" xmlns:a14="http://schemas.microsoft.com/office/drawing/2010/main">
                   <a:effectLst>
                     <a:outerShdw dist="35921" dir="2700000" algn="ctr" rotWithShape="0">
                       <a:schemeClr val="bg2"/>
@@ -3954,7 +3954,7 @@
           <a:p>
             <a:fld id="{483D03DC-5ED8-7A42-A55E-C10C004AFC42}" type="datetimeFigureOut">
               <a:rPr lang="es-ES" smtClean="0"/>
-              <a:t>11/12/2021</a:t>
+              <a:t>26/03/2022</a:t>
             </a:fld>
             <a:endParaRPr lang="es-ES" dirty="0"/>
           </a:p>
@@ -4049,7 +4049,7 @@
           <a:p>
             <a:fld id="{483D03DC-5ED8-7A42-A55E-C10C004AFC42}" type="datetimeFigureOut">
               <a:rPr lang="es-ES" smtClean="0"/>
-              <a:t>11/12/2021</a:t>
+              <a:t>26/03/2022</a:t>
             </a:fld>
             <a:endParaRPr lang="es-ES"/>
           </a:p>
@@ -4141,7 +4141,7 @@
             <a:noFill/>
             <a:extLst>
               <a:ext uri="{909E8E84-426E-40dd-AFC4-6F175D3DCCD1}">
-                <a14:hiddenFill xmlns:a14="http://schemas.microsoft.com/office/drawing/2010/main" xmlns="">
+                <a14:hiddenFill xmlns="" xmlns:a14="http://schemas.microsoft.com/office/drawing/2010/main">
                   <a:solidFill>
                     <a:srgbClr val="FFFFFF"/>
                   </a:solidFill>
@@ -4390,14 +4390,14 @@
             <a:effectLst/>
             <a:extLst>
               <a:ext uri="{909E8E84-426E-40dd-AFC4-6F175D3DCCD1}">
-                <a14:hiddenFill xmlns:a14="http://schemas.microsoft.com/office/drawing/2010/main" xmlns="">
+                <a14:hiddenFill xmlns="" xmlns:a14="http://schemas.microsoft.com/office/drawing/2010/main">
                   <a:solidFill>
                     <a:schemeClr val="accent1"/>
                   </a:solidFill>
                 </a14:hiddenFill>
               </a:ext>
               <a:ext uri="{91240B29-F687-4f45-9708-019B960494DF}">
-                <a14:hiddenLine xmlns:a14="http://schemas.microsoft.com/office/drawing/2010/main" xmlns="" w="9525">
+                <a14:hiddenLine xmlns="" xmlns:a14="http://schemas.microsoft.com/office/drawing/2010/main" w="9525">
                   <a:solidFill>
                     <a:schemeClr val="tx1"/>
                   </a:solidFill>
@@ -4407,7 +4407,7 @@
                 </a14:hiddenLine>
               </a:ext>
               <a:ext uri="{AF507438-7753-43e0-B8FC-AC1667EBCBE1}">
-                <a14:hiddenEffects xmlns:a14="http://schemas.microsoft.com/office/drawing/2010/main" xmlns="">
+                <a14:hiddenEffects xmlns="" xmlns:a14="http://schemas.microsoft.com/office/drawing/2010/main">
                   <a:effectLst>
                     <a:outerShdw dist="35921" dir="2700000" algn="ctr" rotWithShape="0">
                       <a:schemeClr val="bg2"/>
@@ -4454,14 +4454,14 @@
             <a:effectLst/>
             <a:extLst>
               <a:ext uri="{909E8E84-426E-40dd-AFC4-6F175D3DCCD1}">
-                <a14:hiddenFill xmlns:a14="http://schemas.microsoft.com/office/drawing/2010/main" xmlns="">
+                <a14:hiddenFill xmlns="" xmlns:a14="http://schemas.microsoft.com/office/drawing/2010/main">
                   <a:solidFill>
                     <a:schemeClr val="accent1"/>
                   </a:solidFill>
                 </a14:hiddenFill>
               </a:ext>
               <a:ext uri="{91240B29-F687-4f45-9708-019B960494DF}">
-                <a14:hiddenLine xmlns:a14="http://schemas.microsoft.com/office/drawing/2010/main" xmlns="" w="9525">
+                <a14:hiddenLine xmlns="" xmlns:a14="http://schemas.microsoft.com/office/drawing/2010/main" w="9525">
                   <a:solidFill>
                     <a:schemeClr val="tx1"/>
                   </a:solidFill>
@@ -4471,7 +4471,7 @@
                 </a14:hiddenLine>
               </a:ext>
               <a:ext uri="{AF507438-7753-43e0-B8FC-AC1667EBCBE1}">
-                <a14:hiddenEffects xmlns:a14="http://schemas.microsoft.com/office/drawing/2010/main" xmlns="">
+                <a14:hiddenEffects xmlns="" xmlns:a14="http://schemas.microsoft.com/office/drawing/2010/main">
                   <a:effectLst>
                     <a:outerShdw dist="35921" dir="2700000" algn="ctr" rotWithShape="0">
                       <a:schemeClr val="bg2"/>
@@ -4518,14 +4518,14 @@
             <a:effectLst/>
             <a:extLst>
               <a:ext uri="{909E8E84-426E-40dd-AFC4-6F175D3DCCD1}">
-                <a14:hiddenFill xmlns:a14="http://schemas.microsoft.com/office/drawing/2010/main" xmlns="">
+                <a14:hiddenFill xmlns="" xmlns:a14="http://schemas.microsoft.com/office/drawing/2010/main">
                   <a:solidFill>
                     <a:schemeClr val="accent1"/>
                   </a:solidFill>
                 </a14:hiddenFill>
               </a:ext>
               <a:ext uri="{91240B29-F687-4f45-9708-019B960494DF}">
-                <a14:hiddenLine xmlns:a14="http://schemas.microsoft.com/office/drawing/2010/main" xmlns="" w="9525">
+                <a14:hiddenLine xmlns="" xmlns:a14="http://schemas.microsoft.com/office/drawing/2010/main" w="9525">
                   <a:solidFill>
                     <a:schemeClr val="tx1"/>
                   </a:solidFill>
@@ -4535,7 +4535,7 @@
                 </a14:hiddenLine>
               </a:ext>
               <a:ext uri="{AF507438-7753-43e0-B8FC-AC1667EBCBE1}">
-                <a14:hiddenEffects xmlns:a14="http://schemas.microsoft.com/office/drawing/2010/main" xmlns="">
+                <a14:hiddenEffects xmlns="" xmlns:a14="http://schemas.microsoft.com/office/drawing/2010/main">
                   <a:effectLst>
                     <a:outerShdw dist="35921" dir="2700000" algn="ctr" rotWithShape="0">
                       <a:schemeClr val="bg2"/>
@@ -4594,7 +4594,7 @@
           <a:p>
             <a:fld id="{483D03DC-5ED8-7A42-A55E-C10C004AFC42}" type="datetimeFigureOut">
               <a:rPr lang="es-ES" smtClean="0"/>
-              <a:t>11/12/2021</a:t>
+              <a:t>26/03/2022</a:t>
             </a:fld>
             <a:endParaRPr lang="es-ES"/>
           </a:p>
@@ -4672,7 +4672,7 @@
           <a:noFill/>
           <a:extLst>
             <a:ext uri="{909E8E84-426E-40dd-AFC4-6F175D3DCCD1}">
-              <a14:hiddenFill xmlns:a14="http://schemas.microsoft.com/office/drawing/2010/main" xmlns="">
+              <a14:hiddenFill xmlns="" xmlns:a14="http://schemas.microsoft.com/office/drawing/2010/main">
                 <a:solidFill>
                   <a:srgbClr val="FFFFFF"/>
                 </a:solidFill>
@@ -4924,14 +4924,14 @@
           <a:effectLst/>
           <a:extLst>
             <a:ext uri="{909E8E84-426E-40dd-AFC4-6F175D3DCCD1}">
-              <a14:hiddenFill xmlns:a14="http://schemas.microsoft.com/office/drawing/2010/main" xmlns="">
+              <a14:hiddenFill xmlns="" xmlns:a14="http://schemas.microsoft.com/office/drawing/2010/main">
                 <a:solidFill>
                   <a:schemeClr val="accent1"/>
                 </a:solidFill>
               </a14:hiddenFill>
             </a:ext>
             <a:ext uri="{91240B29-F687-4f45-9708-019B960494DF}">
-              <a14:hiddenLine xmlns:a14="http://schemas.microsoft.com/office/drawing/2010/main" xmlns="" w="9525">
+              <a14:hiddenLine xmlns="" xmlns:a14="http://schemas.microsoft.com/office/drawing/2010/main" w="9525">
                 <a:solidFill>
                   <a:schemeClr val="tx1"/>
                 </a:solidFill>
@@ -4941,7 +4941,7 @@
               </a14:hiddenLine>
             </a:ext>
             <a:ext uri="{AF507438-7753-43e0-B8FC-AC1667EBCBE1}">
-              <a14:hiddenEffects xmlns:a14="http://schemas.microsoft.com/office/drawing/2010/main" xmlns="">
+              <a14:hiddenEffects xmlns="" xmlns:a14="http://schemas.microsoft.com/office/drawing/2010/main">
                 <a:effectLst>
                   <a:outerShdw dist="35921" dir="2700000" algn="ctr" rotWithShape="0">
                     <a:schemeClr val="bg2"/>
@@ -4988,14 +4988,14 @@
           <a:effectLst/>
           <a:extLst>
             <a:ext uri="{909E8E84-426E-40dd-AFC4-6F175D3DCCD1}">
-              <a14:hiddenFill xmlns:a14="http://schemas.microsoft.com/office/drawing/2010/main" xmlns="">
+              <a14:hiddenFill xmlns="" xmlns:a14="http://schemas.microsoft.com/office/drawing/2010/main">
                 <a:solidFill>
                   <a:schemeClr val="accent1"/>
                 </a:solidFill>
               </a14:hiddenFill>
             </a:ext>
             <a:ext uri="{91240B29-F687-4f45-9708-019B960494DF}">
-              <a14:hiddenLine xmlns:a14="http://schemas.microsoft.com/office/drawing/2010/main" xmlns="" w="9525">
+              <a14:hiddenLine xmlns="" xmlns:a14="http://schemas.microsoft.com/office/drawing/2010/main" w="9525">
                 <a:solidFill>
                   <a:schemeClr val="tx1"/>
                 </a:solidFill>
@@ -5005,7 +5005,7 @@
               </a14:hiddenLine>
             </a:ext>
             <a:ext uri="{AF507438-7753-43e0-B8FC-AC1667EBCBE1}">
-              <a14:hiddenEffects xmlns:a14="http://schemas.microsoft.com/office/drawing/2010/main" xmlns="">
+              <a14:hiddenEffects xmlns="" xmlns:a14="http://schemas.microsoft.com/office/drawing/2010/main">
                 <a:effectLst>
                   <a:outerShdw dist="35921" dir="2700000" algn="ctr" rotWithShape="0">
                     <a:schemeClr val="bg2"/>
@@ -5052,14 +5052,14 @@
           <a:effectLst/>
           <a:extLst>
             <a:ext uri="{909E8E84-426E-40dd-AFC4-6F175D3DCCD1}">
-              <a14:hiddenFill xmlns:a14="http://schemas.microsoft.com/office/drawing/2010/main" xmlns="">
+              <a14:hiddenFill xmlns="" xmlns:a14="http://schemas.microsoft.com/office/drawing/2010/main">
                 <a:solidFill>
                   <a:schemeClr val="accent1"/>
                 </a:solidFill>
               </a14:hiddenFill>
             </a:ext>
             <a:ext uri="{91240B29-F687-4f45-9708-019B960494DF}">
-              <a14:hiddenLine xmlns:a14="http://schemas.microsoft.com/office/drawing/2010/main" xmlns="" w="9525">
+              <a14:hiddenLine xmlns="" xmlns:a14="http://schemas.microsoft.com/office/drawing/2010/main" w="9525">
                 <a:solidFill>
                   <a:schemeClr val="tx1"/>
                 </a:solidFill>
@@ -5069,7 +5069,7 @@
               </a14:hiddenLine>
             </a:ext>
             <a:ext uri="{AF507438-7753-43e0-B8FC-AC1667EBCBE1}">
-              <a14:hiddenEffects xmlns:a14="http://schemas.microsoft.com/office/drawing/2010/main" xmlns="">
+              <a14:hiddenEffects xmlns="" xmlns:a14="http://schemas.microsoft.com/office/drawing/2010/main">
                 <a:effectLst>
                   <a:outerShdw dist="35921" dir="2700000" algn="ctr" rotWithShape="0">
                     <a:schemeClr val="bg2"/>
@@ -5140,7 +5140,7 @@
           <a:noFill/>
           <a:extLst>
             <a:ext uri="{909E8E84-426E-40dd-AFC4-6F175D3DCCD1}">
-              <a14:hiddenFill xmlns:a14="http://schemas.microsoft.com/office/drawing/2010/main" xmlns="">
+              <a14:hiddenFill xmlns="" xmlns:a14="http://schemas.microsoft.com/office/drawing/2010/main">
                 <a:solidFill>
                   <a:srgbClr val="FFFFFF"/>
                 </a:solidFill>
@@ -5240,14 +5240,14 @@
             <a:effectLst/>
             <a:extLst>
               <a:ext uri="{909E8E84-426E-40dd-AFC4-6F175D3DCCD1}">
-                <a14:hiddenFill xmlns:a14="http://schemas.microsoft.com/office/drawing/2010/main" xmlns="">
+                <a14:hiddenFill xmlns="" xmlns:a14="http://schemas.microsoft.com/office/drawing/2010/main">
                   <a:solidFill>
                     <a:schemeClr val="accent1"/>
                   </a:solidFill>
                 </a14:hiddenFill>
               </a:ext>
               <a:ext uri="{91240B29-F687-4f45-9708-019B960494DF}">
-                <a14:hiddenLine xmlns:a14="http://schemas.microsoft.com/office/drawing/2010/main" xmlns="" w="9525">
+                <a14:hiddenLine xmlns="" xmlns:a14="http://schemas.microsoft.com/office/drawing/2010/main" w="9525">
                   <a:solidFill>
                     <a:schemeClr val="tx1"/>
                   </a:solidFill>
@@ -5257,7 +5257,7 @@
                 </a14:hiddenLine>
               </a:ext>
               <a:ext uri="{AF507438-7753-43e0-B8FC-AC1667EBCBE1}">
-                <a14:hiddenEffects xmlns:a14="http://schemas.microsoft.com/office/drawing/2010/main" xmlns="">
+                <a14:hiddenEffects xmlns="" xmlns:a14="http://schemas.microsoft.com/office/drawing/2010/main">
                   <a:effectLst>
                     <a:outerShdw dist="35921" dir="2700000" algn="ctr" rotWithShape="0">
                       <a:schemeClr val="bg2"/>
@@ -5302,14 +5302,14 @@
             <a:effectLst/>
             <a:extLst>
               <a:ext uri="{909E8E84-426E-40dd-AFC4-6F175D3DCCD1}">
-                <a14:hiddenFill xmlns:a14="http://schemas.microsoft.com/office/drawing/2010/main" xmlns="">
+                <a14:hiddenFill xmlns="" xmlns:a14="http://schemas.microsoft.com/office/drawing/2010/main">
                   <a:solidFill>
                     <a:schemeClr val="accent1"/>
                   </a:solidFill>
                 </a14:hiddenFill>
               </a:ext>
               <a:ext uri="{91240B29-F687-4f45-9708-019B960494DF}">
-                <a14:hiddenLine xmlns:a14="http://schemas.microsoft.com/office/drawing/2010/main" xmlns="" w="9525">
+                <a14:hiddenLine xmlns="" xmlns:a14="http://schemas.microsoft.com/office/drawing/2010/main" w="9525">
                   <a:solidFill>
                     <a:schemeClr val="tx1"/>
                   </a:solidFill>
@@ -5319,7 +5319,7 @@
                 </a14:hiddenLine>
               </a:ext>
               <a:ext uri="{AF507438-7753-43e0-B8FC-AC1667EBCBE1}">
-                <a14:hiddenEffects xmlns:a14="http://schemas.microsoft.com/office/drawing/2010/main" xmlns="">
+                <a14:hiddenEffects xmlns="" xmlns:a14="http://schemas.microsoft.com/office/drawing/2010/main">
                   <a:effectLst>
                     <a:outerShdw dist="35921" dir="2700000" algn="ctr" rotWithShape="0">
                       <a:schemeClr val="bg2"/>
@@ -5511,7 +5511,7 @@
           <a:p>
             <a:fld id="{483D03DC-5ED8-7A42-A55E-C10C004AFC42}" type="datetimeFigureOut">
               <a:rPr lang="es-ES" smtClean="0"/>
-              <a:t>11/12/2021</a:t>
+              <a:t>26/03/2022</a:t>
             </a:fld>
             <a:endParaRPr lang="es-ES" dirty="0"/>
           </a:p>
@@ -5595,14 +5595,14 @@
           <a:effectLst/>
           <a:extLst>
             <a:ext uri="{909E8E84-426E-40dd-AFC4-6F175D3DCCD1}">
-              <a14:hiddenFill xmlns:a14="http://schemas.microsoft.com/office/drawing/2010/main" xmlns="">
+              <a14:hiddenFill xmlns="" xmlns:a14="http://schemas.microsoft.com/office/drawing/2010/main">
                 <a:solidFill>
                   <a:schemeClr val="accent1"/>
                 </a:solidFill>
               </a14:hiddenFill>
             </a:ext>
             <a:ext uri="{91240B29-F687-4f45-9708-019B960494DF}">
-              <a14:hiddenLine xmlns:a14="http://schemas.microsoft.com/office/drawing/2010/main" xmlns="" w="9525">
+              <a14:hiddenLine xmlns="" xmlns:a14="http://schemas.microsoft.com/office/drawing/2010/main" w="9525">
                 <a:solidFill>
                   <a:schemeClr val="tx1"/>
                 </a:solidFill>
@@ -5612,7 +5612,7 @@
               </a14:hiddenLine>
             </a:ext>
             <a:ext uri="{AF507438-7753-43e0-B8FC-AC1667EBCBE1}">
-              <a14:hiddenEffects xmlns:a14="http://schemas.microsoft.com/office/drawing/2010/main" xmlns="">
+              <a14:hiddenEffects xmlns="" xmlns:a14="http://schemas.microsoft.com/office/drawing/2010/main">
                 <a:effectLst>
                   <a:outerShdw dist="35921" dir="2700000" algn="ctr" rotWithShape="0">
                     <a:schemeClr val="bg2"/>
@@ -5670,7 +5670,7 @@
           <a:p>
             <a:fld id="{483D03DC-5ED8-7A42-A55E-C10C004AFC42}" type="datetimeFigureOut">
               <a:rPr lang="es-ES" smtClean="0"/>
-              <a:t>11/12/2021</a:t>
+              <a:t>26/03/2022</a:t>
             </a:fld>
             <a:endParaRPr lang="es-ES"/>
           </a:p>
@@ -5748,7 +5748,7 @@
           <a:noFill/>
           <a:extLst>
             <a:ext uri="{909E8E84-426E-40dd-AFC4-6F175D3DCCD1}">
-              <a14:hiddenFill xmlns:a14="http://schemas.microsoft.com/office/drawing/2010/main" xmlns="">
+              <a14:hiddenFill xmlns="" xmlns:a14="http://schemas.microsoft.com/office/drawing/2010/main">
                 <a:solidFill>
                   <a:srgbClr val="FFFFFF"/>
                 </a:solidFill>
@@ -5997,14 +5997,14 @@
           <a:effectLst/>
           <a:extLst>
             <a:ext uri="{909E8E84-426E-40dd-AFC4-6F175D3DCCD1}">
-              <a14:hiddenFill xmlns:a14="http://schemas.microsoft.com/office/drawing/2010/main" xmlns="">
+              <a14:hiddenFill xmlns="" xmlns:a14="http://schemas.microsoft.com/office/drawing/2010/main">
                 <a:solidFill>
                   <a:schemeClr val="accent1"/>
                 </a:solidFill>
               </a14:hiddenFill>
             </a:ext>
             <a:ext uri="{91240B29-F687-4f45-9708-019B960494DF}">
-              <a14:hiddenLine xmlns:a14="http://schemas.microsoft.com/office/drawing/2010/main" xmlns="" w="9525">
+              <a14:hiddenLine xmlns="" xmlns:a14="http://schemas.microsoft.com/office/drawing/2010/main" w="9525">
                 <a:solidFill>
                   <a:schemeClr val="tx1"/>
                 </a:solidFill>
@@ -6014,7 +6014,7 @@
               </a14:hiddenLine>
             </a:ext>
             <a:ext uri="{AF507438-7753-43e0-B8FC-AC1667EBCBE1}">
-              <a14:hiddenEffects xmlns:a14="http://schemas.microsoft.com/office/drawing/2010/main" xmlns="">
+              <a14:hiddenEffects xmlns="" xmlns:a14="http://schemas.microsoft.com/office/drawing/2010/main">
                 <a:effectLst>
                   <a:outerShdw dist="35921" dir="2700000" algn="ctr" rotWithShape="0">
                     <a:schemeClr val="bg2"/>
@@ -6061,14 +6061,14 @@
           <a:effectLst/>
           <a:extLst>
             <a:ext uri="{909E8E84-426E-40dd-AFC4-6F175D3DCCD1}">
-              <a14:hiddenFill xmlns:a14="http://schemas.microsoft.com/office/drawing/2010/main" xmlns="">
+              <a14:hiddenFill xmlns="" xmlns:a14="http://schemas.microsoft.com/office/drawing/2010/main">
                 <a:solidFill>
                   <a:schemeClr val="accent1"/>
                 </a:solidFill>
               </a14:hiddenFill>
             </a:ext>
             <a:ext uri="{91240B29-F687-4f45-9708-019B960494DF}">
-              <a14:hiddenLine xmlns:a14="http://schemas.microsoft.com/office/drawing/2010/main" xmlns="" w="9525">
+              <a14:hiddenLine xmlns="" xmlns:a14="http://schemas.microsoft.com/office/drawing/2010/main" w="9525">
                 <a:solidFill>
                   <a:schemeClr val="tx1"/>
                 </a:solidFill>
@@ -6078,7 +6078,7 @@
               </a14:hiddenLine>
             </a:ext>
             <a:ext uri="{AF507438-7753-43e0-B8FC-AC1667EBCBE1}">
-              <a14:hiddenEffects xmlns:a14="http://schemas.microsoft.com/office/drawing/2010/main" xmlns="">
+              <a14:hiddenEffects xmlns="" xmlns:a14="http://schemas.microsoft.com/office/drawing/2010/main">
                 <a:effectLst>
                   <a:outerShdw dist="35921" dir="2700000" algn="ctr" rotWithShape="0">
                     <a:schemeClr val="bg2"/>
@@ -6125,14 +6125,14 @@
           <a:effectLst/>
           <a:extLst>
             <a:ext uri="{909E8E84-426E-40dd-AFC4-6F175D3DCCD1}">
-              <a14:hiddenFill xmlns:a14="http://schemas.microsoft.com/office/drawing/2010/main" xmlns="">
+              <a14:hiddenFill xmlns="" xmlns:a14="http://schemas.microsoft.com/office/drawing/2010/main">
                 <a:solidFill>
                   <a:schemeClr val="accent1"/>
                 </a:solidFill>
               </a14:hiddenFill>
             </a:ext>
             <a:ext uri="{91240B29-F687-4f45-9708-019B960494DF}">
-              <a14:hiddenLine xmlns:a14="http://schemas.microsoft.com/office/drawing/2010/main" xmlns="" w="9525">
+              <a14:hiddenLine xmlns="" xmlns:a14="http://schemas.microsoft.com/office/drawing/2010/main" w="9525">
                 <a:solidFill>
                   <a:schemeClr val="tx1"/>
                 </a:solidFill>
@@ -6142,7 +6142,7 @@
               </a14:hiddenLine>
             </a:ext>
             <a:ext uri="{AF507438-7753-43e0-B8FC-AC1667EBCBE1}">
-              <a14:hiddenEffects xmlns:a14="http://schemas.microsoft.com/office/drawing/2010/main" xmlns="">
+              <a14:hiddenEffects xmlns="" xmlns:a14="http://schemas.microsoft.com/office/drawing/2010/main">
                 <a:effectLst>
                   <a:outerShdw dist="35921" dir="2700000" algn="ctr" rotWithShape="0">
                     <a:schemeClr val="bg2"/>
@@ -6200,7 +6200,7 @@
           <a:p>
             <a:fld id="{483D03DC-5ED8-7A42-A55E-C10C004AFC42}" type="datetimeFigureOut">
               <a:rPr lang="es-ES" smtClean="0"/>
-              <a:t>11/12/2021</a:t>
+              <a:t>26/03/2022</a:t>
             </a:fld>
             <a:endParaRPr lang="es-ES"/>
           </a:p>
@@ -6278,7 +6278,7 @@
           <a:noFill/>
           <a:extLst>
             <a:ext uri="{909E8E84-426E-40dd-AFC4-6F175D3DCCD1}">
-              <a14:hiddenFill xmlns:a14="http://schemas.microsoft.com/office/drawing/2010/main" xmlns="">
+              <a14:hiddenFill xmlns="" xmlns:a14="http://schemas.microsoft.com/office/drawing/2010/main">
                 <a:solidFill>
                   <a:srgbClr val="FFFFFF"/>
                 </a:solidFill>
@@ -6530,14 +6530,14 @@
           <a:effectLst/>
           <a:extLst>
             <a:ext uri="{909E8E84-426E-40dd-AFC4-6F175D3DCCD1}">
-              <a14:hiddenFill xmlns:a14="http://schemas.microsoft.com/office/drawing/2010/main" xmlns="">
+              <a14:hiddenFill xmlns="" xmlns:a14="http://schemas.microsoft.com/office/drawing/2010/main">
                 <a:solidFill>
                   <a:schemeClr val="accent1"/>
                 </a:solidFill>
               </a14:hiddenFill>
             </a:ext>
             <a:ext uri="{91240B29-F687-4f45-9708-019B960494DF}">
-              <a14:hiddenLine xmlns:a14="http://schemas.microsoft.com/office/drawing/2010/main" xmlns="" w="9525">
+              <a14:hiddenLine xmlns="" xmlns:a14="http://schemas.microsoft.com/office/drawing/2010/main" w="9525">
                 <a:solidFill>
                   <a:schemeClr val="tx1"/>
                 </a:solidFill>
@@ -6547,7 +6547,7 @@
               </a14:hiddenLine>
             </a:ext>
             <a:ext uri="{AF507438-7753-43e0-B8FC-AC1667EBCBE1}">
-              <a14:hiddenEffects xmlns:a14="http://schemas.microsoft.com/office/drawing/2010/main" xmlns="">
+              <a14:hiddenEffects xmlns="" xmlns:a14="http://schemas.microsoft.com/office/drawing/2010/main">
                 <a:effectLst>
                   <a:outerShdw dist="35921" dir="2700000" algn="ctr" rotWithShape="0">
                     <a:schemeClr val="bg2"/>
@@ -6594,14 +6594,14 @@
           <a:effectLst/>
           <a:extLst>
             <a:ext uri="{909E8E84-426E-40dd-AFC4-6F175D3DCCD1}">
-              <a14:hiddenFill xmlns:a14="http://schemas.microsoft.com/office/drawing/2010/main" xmlns="">
+              <a14:hiddenFill xmlns="" xmlns:a14="http://schemas.microsoft.com/office/drawing/2010/main">
                 <a:solidFill>
                   <a:schemeClr val="accent1"/>
                 </a:solidFill>
               </a14:hiddenFill>
             </a:ext>
             <a:ext uri="{91240B29-F687-4f45-9708-019B960494DF}">
-              <a14:hiddenLine xmlns:a14="http://schemas.microsoft.com/office/drawing/2010/main" xmlns="" w="9525">
+              <a14:hiddenLine xmlns="" xmlns:a14="http://schemas.microsoft.com/office/drawing/2010/main" w="9525">
                 <a:solidFill>
                   <a:schemeClr val="tx1"/>
                 </a:solidFill>
@@ -6611,7 +6611,7 @@
               </a14:hiddenLine>
             </a:ext>
             <a:ext uri="{AF507438-7753-43e0-B8FC-AC1667EBCBE1}">
-              <a14:hiddenEffects xmlns:a14="http://schemas.microsoft.com/office/drawing/2010/main" xmlns="">
+              <a14:hiddenEffects xmlns="" xmlns:a14="http://schemas.microsoft.com/office/drawing/2010/main">
                 <a:effectLst>
                   <a:outerShdw dist="35921" dir="2700000" algn="ctr" rotWithShape="0">
                     <a:schemeClr val="bg2"/>
@@ -6658,14 +6658,14 @@
           <a:effectLst/>
           <a:extLst>
             <a:ext uri="{909E8E84-426E-40dd-AFC4-6F175D3DCCD1}">
-              <a14:hiddenFill xmlns:a14="http://schemas.microsoft.com/office/drawing/2010/main" xmlns="">
+              <a14:hiddenFill xmlns="" xmlns:a14="http://schemas.microsoft.com/office/drawing/2010/main">
                 <a:solidFill>
                   <a:schemeClr val="accent1"/>
                 </a:solidFill>
               </a14:hiddenFill>
             </a:ext>
             <a:ext uri="{91240B29-F687-4f45-9708-019B960494DF}">
-              <a14:hiddenLine xmlns:a14="http://schemas.microsoft.com/office/drawing/2010/main" xmlns="" w="9525">
+              <a14:hiddenLine xmlns="" xmlns:a14="http://schemas.microsoft.com/office/drawing/2010/main" w="9525">
                 <a:solidFill>
                   <a:schemeClr val="tx1"/>
                 </a:solidFill>
@@ -6675,7 +6675,7 @@
               </a14:hiddenLine>
             </a:ext>
             <a:ext uri="{AF507438-7753-43e0-B8FC-AC1667EBCBE1}">
-              <a14:hiddenEffects xmlns:a14="http://schemas.microsoft.com/office/drawing/2010/main" xmlns="">
+              <a14:hiddenEffects xmlns="" xmlns:a14="http://schemas.microsoft.com/office/drawing/2010/main">
                 <a:effectLst>
                   <a:outerShdw dist="35921" dir="2700000" algn="ctr" rotWithShape="0">
                     <a:schemeClr val="bg2"/>
@@ -6759,7 +6759,7 @@
           <a:p>
             <a:fld id="{483D03DC-5ED8-7A42-A55E-C10C004AFC42}" type="datetimeFigureOut">
               <a:rPr lang="es-ES" smtClean="0"/>
-              <a:t>11/12/2021</a:t>
+              <a:t>26/03/2022</a:t>
             </a:fld>
             <a:endParaRPr lang="es-ES"/>
           </a:p>
@@ -7262,13 +7262,6 @@
   <p:clrMapOvr>
     <a:masterClrMapping/>
   </p:clrMapOvr>
-  <p:timing>
-    <p:tnLst>
-      <p:par>
-        <p:cTn id="1" dur="indefinite" restart="never" nodeType="tmRoot"/>
-      </p:par>
-    </p:tnLst>
-  </p:timing>
 </p:sld>
 </file>
 
@@ -7529,126 +7522,11 @@
           <a:lstStyle/>
           <a:p>
             <a:r>
-              <a:rPr lang="es-CO" dirty="0" smtClean="0">
-                <a:latin typeface="Arial" panose="020B0604020202020204" pitchFamily="34" charset="0"/>
-                <a:cs typeface="Arial" panose="020B0604020202020204" pitchFamily="34" charset="0"/>
-              </a:rPr>
-              <a:t>Este proyecto tiene como alcance desarrollar una plataforma digital que permita el registro, control y cheque de los nuevos usuarios que van a utilizar nuestro software </a:t>
-            </a:r>
-            <a:r>
               <a:rPr lang="es-CO" dirty="0">
                 <a:latin typeface="Arial" panose="020B0604020202020204" pitchFamily="34" charset="0"/>
                 <a:cs typeface="Arial" panose="020B0604020202020204" pitchFamily="34" charset="0"/>
               </a:rPr>
-              <a:t>de aprendizaje; </a:t>
-            </a:r>
-            <a:r>
-              <a:rPr lang="es-CO" dirty="0" smtClean="0">
-                <a:latin typeface="Arial" panose="020B0604020202020204" pitchFamily="34" charset="0"/>
-                <a:cs typeface="Arial" panose="020B0604020202020204" pitchFamily="34" charset="0"/>
-              </a:rPr>
-              <a:t>También </a:t>
-            </a:r>
-            <a:r>
-              <a:rPr lang="es-CO" dirty="0">
-                <a:latin typeface="Arial" panose="020B0604020202020204" pitchFamily="34" charset="0"/>
-                <a:cs typeface="Arial" panose="020B0604020202020204" pitchFamily="34" charset="0"/>
-              </a:rPr>
-              <a:t>pretendemos llegar a facilitar a la mayoría de </a:t>
-            </a:r>
-            <a:r>
-              <a:rPr lang="es-CO" dirty="0" smtClean="0">
-                <a:latin typeface="Arial" panose="020B0604020202020204" pitchFamily="34" charset="0"/>
-                <a:cs typeface="Arial" panose="020B0604020202020204" pitchFamily="34" charset="0"/>
-              </a:rPr>
-              <a:t>usuarios </a:t>
-            </a:r>
-            <a:r>
-              <a:rPr lang="es-CO" dirty="0">
-                <a:latin typeface="Arial" panose="020B0604020202020204" pitchFamily="34" charset="0"/>
-                <a:cs typeface="Arial" panose="020B0604020202020204" pitchFamily="34" charset="0"/>
-              </a:rPr>
-              <a:t>que no tienen conocimientos del tema para que  se preparen con un aprendizaje básico que puede llegar a ser indispensable para comenzar un curso avanzado en tiempos futuros.</a:t>
-            </a:r>
-            <a:endParaRPr lang="es-CO" dirty="0" smtClean="0">
-              <a:latin typeface="Arial" panose="020B0604020202020204" pitchFamily="34" charset="0"/>
-              <a:cs typeface="Arial" panose="020B0604020202020204" pitchFamily="34" charset="0"/>
-            </a:endParaRPr>
-          </a:p>
-          <a:p>
-            <a:pPr algn="l"/>
-            <a:r>
-              <a:rPr lang="es-CO" dirty="0" smtClean="0">
-                <a:latin typeface="Arial" panose="020B0604020202020204" pitchFamily="34" charset="0"/>
-                <a:cs typeface="Arial" panose="020B0604020202020204" pitchFamily="34" charset="0"/>
-              </a:rPr>
-              <a:t>Esta herramienta será web y tendrá un modulo administrativo he usuario donde el administrativo vera la captura de información, el control de proceso que lleva el usuario.</a:t>
-            </a:r>
-          </a:p>
-          <a:p>
-            <a:pPr algn="l"/>
-            <a:r>
-              <a:rPr lang="es-CO" dirty="0" smtClean="0">
-                <a:latin typeface="Arial" panose="020B0604020202020204" pitchFamily="34" charset="0"/>
-                <a:cs typeface="Arial" panose="020B0604020202020204" pitchFamily="34" charset="0"/>
-              </a:rPr>
-              <a:t>El ingreso de información será mediante el uso de formularios y los lenguajes de programación serán </a:t>
-            </a:r>
-            <a:r>
-              <a:rPr lang="es-CO" dirty="0" err="1" smtClean="0">
-                <a:latin typeface="Arial" panose="020B0604020202020204" pitchFamily="34" charset="0"/>
-                <a:cs typeface="Arial" panose="020B0604020202020204" pitchFamily="34" charset="0"/>
-              </a:rPr>
-              <a:t>html</a:t>
-            </a:r>
-            <a:r>
-              <a:rPr lang="es-CO" dirty="0" smtClean="0">
-                <a:latin typeface="Arial" panose="020B0604020202020204" pitchFamily="34" charset="0"/>
-                <a:cs typeface="Arial" panose="020B0604020202020204" pitchFamily="34" charset="0"/>
-              </a:rPr>
-              <a:t> , </a:t>
-            </a:r>
-            <a:r>
-              <a:rPr lang="es-CO" dirty="0" err="1" smtClean="0">
-                <a:latin typeface="Arial" panose="020B0604020202020204" pitchFamily="34" charset="0"/>
-                <a:cs typeface="Arial" panose="020B0604020202020204" pitchFamily="34" charset="0"/>
-              </a:rPr>
-              <a:t>php</a:t>
-            </a:r>
-            <a:r>
-              <a:rPr lang="es-CO" dirty="0" smtClean="0">
-                <a:latin typeface="Arial" panose="020B0604020202020204" pitchFamily="34" charset="0"/>
-                <a:cs typeface="Arial" panose="020B0604020202020204" pitchFamily="34" charset="0"/>
-              </a:rPr>
-              <a:t> , </a:t>
-            </a:r>
-            <a:r>
-              <a:rPr lang="es-CO" dirty="0" err="1" smtClean="0">
-                <a:latin typeface="Arial" panose="020B0604020202020204" pitchFamily="34" charset="0"/>
-                <a:cs typeface="Arial" panose="020B0604020202020204" pitchFamily="34" charset="0"/>
-              </a:rPr>
-              <a:t>javascript</a:t>
-            </a:r>
-            <a:r>
-              <a:rPr lang="es-CO" dirty="0" smtClean="0">
-                <a:latin typeface="Arial" panose="020B0604020202020204" pitchFamily="34" charset="0"/>
-                <a:cs typeface="Arial" panose="020B0604020202020204" pitchFamily="34" charset="0"/>
-              </a:rPr>
-              <a:t> con conectividad a una base de datos en </a:t>
-            </a:r>
-            <a:r>
-              <a:rPr lang="es-CO" dirty="0" err="1" smtClean="0">
-                <a:latin typeface="Arial" panose="020B0604020202020204" pitchFamily="34" charset="0"/>
-                <a:cs typeface="Arial" panose="020B0604020202020204" pitchFamily="34" charset="0"/>
-              </a:rPr>
-              <a:t>My</a:t>
-            </a:r>
-            <a:r>
-              <a:rPr lang="es-CO" dirty="0" smtClean="0">
-                <a:latin typeface="Arial" panose="020B0604020202020204" pitchFamily="34" charset="0"/>
-                <a:cs typeface="Arial" panose="020B0604020202020204" pitchFamily="34" charset="0"/>
-              </a:rPr>
-              <a:t> SQL.</a:t>
+              <a:t>Este proyecto tiene como alcance desarrollar una plataforma digital que permita el registro de usuarios, control de ventas y domicilios para un negocio de restaurante para aumentar el sistema de ventas. Para que alargo plazo poder extender la plataforma en otros negocios que requieran para crecer como empresa</a:t>
             </a:r>
           </a:p>
         </p:txBody>
@@ -7663,13 +7541,6 @@
   <p:clrMapOvr>
     <a:masterClrMapping/>
   </p:clrMapOvr>
-  <p:timing>
-    <p:tnLst>
-      <p:par>
-        <p:cTn id="1" dur="indefinite" restart="never" nodeType="tmRoot"/>
-      </p:par>
-    </p:tnLst>
-  </p:timing>
 </p:sld>
 </file>
 
@@ -7767,7 +7638,7 @@
           <a:lstStyle/>
           <a:p>
             <a:pPr algn="l"/>
-            <a:endParaRPr lang="es-CO" sz="1600" b="1" dirty="0" smtClean="0">
+            <a:endParaRPr lang="es-CO" sz="1600" b="1" dirty="0">
               <a:solidFill>
                 <a:srgbClr val="92D050"/>
               </a:solidFill>
@@ -7799,22 +7670,15 @@
           <a:lstStyle/>
           <a:p>
             <a:r>
-              <a:rPr lang="es-CO" sz="1600" dirty="0" smtClean="0">
-                <a:latin typeface="Arial" panose="020B0604020202020204" pitchFamily="34" charset="0"/>
-                <a:cs typeface="Arial" panose="020B0604020202020204" pitchFamily="34" charset="0"/>
-              </a:rPr>
-              <a:t>Esta herramienta busca facilitar el aprendizaje de todos los usuarios que buscan llegar al conocimiento en este campo de la informática</a:t>
-            </a:r>
-            <a:r>
               <a:rPr lang="es-CO" sz="1600" dirty="0">
                 <a:latin typeface="Arial" panose="020B0604020202020204" pitchFamily="34" charset="0"/>
                 <a:cs typeface="Arial" panose="020B0604020202020204" pitchFamily="34" charset="0"/>
               </a:rPr>
-              <a:t>; mediante una plantilla le sea fácil programar y al obtener su objetivo final, ya que existen muchos personas que por su poco conocimiento en este área se privan de poder crear sus propias ideas basadas en un código</a:t>
+              <a:t>Esta herramienta busca facilitar el crecimiento de pequeños negocios que no tienen la suficiente producción en ventas, esta pagina les permitirá vender sus productos en línea y los usuarios los recibirán en su domicilio.</a:t>
             </a:r>
           </a:p>
           <a:p>
-            <a:endParaRPr lang="es-CO" sz="1600" dirty="0" smtClean="0">
+            <a:endParaRPr lang="es-CO" sz="1600" dirty="0">
               <a:latin typeface="Arial" panose="020B0604020202020204" pitchFamily="34" charset="0"/>
               <a:cs typeface="Arial" panose="020B0604020202020204" pitchFamily="34" charset="0"/>
             </a:endParaRPr>
@@ -7831,13 +7695,6 @@
   <p:clrMapOvr>
     <a:masterClrMapping/>
   </p:clrMapOvr>
-  <p:timing>
-    <p:tnLst>
-      <p:par>
-        <p:cTn id="1" dur="indefinite" restart="never" nodeType="tmRoot"/>
-      </p:par>
-    </p:tnLst>
-  </p:timing>
 </p:sld>
 </file>
 
@@ -7895,7 +7752,7 @@
           </a:p>
           <a:p>
             <a:pPr algn="l"/>
-            <a:endParaRPr lang="es-CO" sz="3200" b="1" dirty="0" smtClean="0">
+            <a:endParaRPr lang="es-CO" sz="3200" b="1" dirty="0">
               <a:solidFill>
                 <a:srgbClr val="92D050"/>
               </a:solidFill>
@@ -7971,13 +7828,6 @@
   <p:clrMapOvr>
     <a:masterClrMapping/>
   </p:clrMapOvr>
-  <p:timing>
-    <p:tnLst>
-      <p:par>
-        <p:cTn id="1" dur="indefinite" restart="never" nodeType="tmRoot"/>
-      </p:par>
-    </p:tnLst>
-  </p:timing>
 </p:sld>
 </file>
 
@@ -8020,7 +7870,7 @@
           <a:lstStyle/>
           <a:p>
             <a:pPr algn="l"/>
-            <a:endParaRPr lang="es-CO" sz="8000" b="1" dirty="0" smtClean="0">
+            <a:endParaRPr lang="es-CO" sz="8000" b="1" dirty="0">
               <a:solidFill>
                 <a:srgbClr val="92D050"/>
               </a:solidFill>
@@ -8060,7 +7910,7 @@
           </a:p>
           <a:p>
             <a:pPr algn="l"/>
-            <a:endParaRPr lang="es-CO" sz="3200" b="1" dirty="0" smtClean="0">
+            <a:endParaRPr lang="es-CO" sz="3200" b="1" dirty="0">
               <a:solidFill>
                 <a:srgbClr val="92D050"/>
               </a:solidFill>
@@ -8090,7 +7940,7 @@
           <a:lstStyle/>
           <a:p>
             <a:pPr algn="l"/>
-            <a:endParaRPr lang="es-CO" sz="8000" b="1" dirty="0" smtClean="0">
+            <a:endParaRPr lang="es-CO" sz="8000" b="1" dirty="0">
               <a:solidFill>
                 <a:srgbClr val="92D050"/>
               </a:solidFill>
@@ -8174,7 +8024,7 @@
               <a:tabLst/>
             </a:pPr>
             <a:r>
-              <a:rPr kumimoji="0" lang="es-CO" sz="1600" b="0" i="0" u="none" strike="noStrike" cap="none" normalizeH="0" baseline="0" dirty="0" smtClean="0">
+              <a:rPr kumimoji="0" lang="es-CO" sz="1600" b="0" i="0" u="none" strike="noStrike" cap="none" normalizeH="0" baseline="0" dirty="0">
                 <a:ln>
                   <a:noFill/>
                 </a:ln>
@@ -8188,7 +8038,7 @@
               <a:t>https://drive.google.com/file/d/1KFZhi5M9ckn07sjdqi-N3gIjW7EwSCJS/view?usp=sharing</a:t>
             </a:r>
             <a:r>
-              <a:rPr kumimoji="0" lang="es-CO" sz="1600" b="0" i="0" u="none" strike="noStrike" cap="none" normalizeH="0" baseline="0" dirty="0" smtClean="0">
+              <a:rPr kumimoji="0" lang="es-CO" sz="1600" b="0" i="0" u="none" strike="noStrike" cap="none" normalizeH="0" baseline="0" dirty="0">
                 <a:ln>
                   <a:noFill/>
                 </a:ln>
@@ -8199,7 +8049,7 @@
               </a:rPr>
               <a:t> </a:t>
             </a:r>
-            <a:endParaRPr kumimoji="0" lang="es-CO" sz="4000" b="0" i="0" u="none" strike="noStrike" cap="none" normalizeH="0" baseline="0" dirty="0" smtClean="0">
+            <a:endParaRPr kumimoji="0" lang="es-CO" sz="4000" b="0" i="0" u="none" strike="noStrike" cap="none" normalizeH="0" baseline="0" dirty="0">
               <a:ln>
                 <a:noFill/>
               </a:ln>
@@ -8222,13 +8072,6 @@
   <p:clrMapOvr>
     <a:masterClrMapping/>
   </p:clrMapOvr>
-  <p:timing>
-    <p:tnLst>
-      <p:par>
-        <p:cTn id="1" dur="indefinite" restart="never" nodeType="tmRoot"/>
-      </p:par>
-    </p:tnLst>
-  </p:timing>
 </p:sld>
 </file>
 
@@ -8254,7 +8097,7 @@
           <p:cNvPr id="3" name="CuadroTexto 2">
             <a:extLst>
               <a:ext uri="{FF2B5EF4-FFF2-40B4-BE49-F238E27FC236}">
-                <a16:creationId xmlns="" xmlns:a16="http://schemas.microsoft.com/office/drawing/2014/main" id="{C55BC7A6-7924-4414-ABD2-4F381B9C1A73}"/>
+                <a16:creationId xmlns:a16="http://schemas.microsoft.com/office/drawing/2014/main" id="{C55BC7A6-7924-4414-ABD2-4F381B9C1A73}"/>
               </a:ext>
             </a:extLst>
           </p:cNvPr>
@@ -8293,7 +8136,7 @@
           <p:cNvPr id="4" name="CuadroTexto 3">
             <a:extLst>
               <a:ext uri="{FF2B5EF4-FFF2-40B4-BE49-F238E27FC236}">
-                <a16:creationId xmlns="" xmlns:a16="http://schemas.microsoft.com/office/drawing/2014/main" id="{66B356D0-E204-4572-80B4-FDD64DE0CE03}"/>
+                <a16:creationId xmlns:a16="http://schemas.microsoft.com/office/drawing/2014/main" id="{66B356D0-E204-4572-80B4-FDD64DE0CE03}"/>
               </a:ext>
             </a:extLst>
           </p:cNvPr>
@@ -8430,13 +8273,6 @@
   <p:clrMapOvr>
     <a:masterClrMapping/>
   </p:clrMapOvr>
-  <p:timing>
-    <p:tnLst>
-      <p:par>
-        <p:cTn id="1" dur="indefinite" restart="never" nodeType="tmRoot"/>
-      </p:par>
-    </p:tnLst>
-  </p:timing>
 </p:sld>
 </file>
 
@@ -8487,7 +8323,7 @@
           <a:noFill/>
           <a:extLst>
             <a:ext uri="{909E8E84-426E-40dd-AFC4-6F175D3DCCD1}">
-              <a14:hiddenFill xmlns:a14="http://schemas.microsoft.com/office/drawing/2010/main" xmlns="">
+              <a14:hiddenFill xmlns="" xmlns:a14="http://schemas.microsoft.com/office/drawing/2010/main">
                 <a:solidFill>
                   <a:srgbClr val="FFFFFF"/>
                 </a:solidFill>
@@ -8584,14 +8420,14 @@
           <a:effectLst/>
           <a:extLst>
             <a:ext uri="{909E8E84-426E-40dd-AFC4-6F175D3DCCD1}">
-              <a14:hiddenFill xmlns:a14="http://schemas.microsoft.com/office/drawing/2010/main" xmlns="">
+              <a14:hiddenFill xmlns="" xmlns:a14="http://schemas.microsoft.com/office/drawing/2010/main">
                 <a:solidFill>
                   <a:schemeClr val="accent1"/>
                 </a:solidFill>
               </a14:hiddenFill>
             </a:ext>
             <a:ext uri="{91240B29-F687-4f45-9708-019B960494DF}">
-              <a14:hiddenLine xmlns:a14="http://schemas.microsoft.com/office/drawing/2010/main" xmlns="" w="9525">
+              <a14:hiddenLine xmlns="" xmlns:a14="http://schemas.microsoft.com/office/drawing/2010/main" w="9525">
                 <a:solidFill>
                   <a:schemeClr val="tx1"/>
                 </a:solidFill>
@@ -8601,7 +8437,7 @@
               </a14:hiddenLine>
             </a:ext>
             <a:ext uri="{AF507438-7753-43e0-B8FC-AC1667EBCBE1}">
-              <a14:hiddenEffects xmlns:a14="http://schemas.microsoft.com/office/drawing/2010/main" xmlns="">
+              <a14:hiddenEffects xmlns="" xmlns:a14="http://schemas.microsoft.com/office/drawing/2010/main">
                 <a:effectLst>
                   <a:outerShdw dist="35921" dir="2700000" algn="ctr" rotWithShape="0">
                     <a:schemeClr val="bg2"/>
@@ -8622,13 +8458,6 @@
   <p:clrMapOvr>
     <a:masterClrMapping/>
   </p:clrMapOvr>
-  <p:timing>
-    <p:tnLst>
-      <p:par>
-        <p:cTn id="1" dur="indefinite" restart="never" nodeType="tmRoot"/>
-      </p:par>
-    </p:tnLst>
-  </p:timing>
 </p:sld>
 </file>
 
@@ -8864,13 +8693,6 @@
   <p:clrMapOvr>
     <a:masterClrMapping/>
   </p:clrMapOvr>
-  <p:timing>
-    <p:tnLst>
-      <p:par>
-        <p:cTn id="1" dur="indefinite" restart="never" nodeType="tmRoot"/>
-      </p:par>
-    </p:tnLst>
-  </p:timing>
 </p:sld>
 </file>
 
@@ -8969,7 +8791,7 @@
           <a:p>
             <a:pPr algn="l"/>
             <a:r>
-              <a:rPr lang="es-CO" sz="2800" b="1" dirty="0" smtClean="0">
+              <a:rPr lang="es-CO" sz="2800" b="1" dirty="0">
                 <a:solidFill>
                   <a:srgbClr val="FF0000"/>
                 </a:solidFill>
@@ -9005,30 +8827,8 @@
               <a:buChar char="•"/>
             </a:pPr>
             <a:r>
-              <a:rPr lang="es-CO" sz="2400" b="1" dirty="0" smtClean="0"/>
+              <a:rPr lang="es-CO" sz="2400" b="1" dirty="0"/>
               <a:t>Juan Camilo Rodríguez Ramírez</a:t>
-            </a:r>
-          </a:p>
-          <a:p>
-            <a:pPr marL="342900" indent="-342900" algn="l">
-              <a:buFont typeface="Arial" panose="020B0604020202020204" pitchFamily="34" charset="0"/>
-              <a:buChar char="•"/>
-            </a:pPr>
-            <a:r>
-              <a:rPr lang="es-CO" sz="2400" b="1" dirty="0" err="1" smtClean="0"/>
-              <a:t>Leidy</a:t>
-            </a:r>
-            <a:r>
-              <a:rPr lang="es-CO" sz="2400" b="1" dirty="0" smtClean="0"/>
-              <a:t> </a:t>
-            </a:r>
-            <a:r>
-              <a:rPr lang="es-CO" sz="2400" b="1" dirty="0" err="1" smtClean="0"/>
-              <a:t>Mayerly</a:t>
-            </a:r>
-            <a:r>
-              <a:rPr lang="es-CO" sz="2400" b="1" dirty="0" smtClean="0"/>
-              <a:t> González</a:t>
             </a:r>
           </a:p>
           <a:p>
@@ -9037,22 +8837,14 @@
               <a:buChar char="•"/>
             </a:pPr>
             <a:r>
-              <a:rPr lang="es-CO" sz="2400" b="1" dirty="0" err="1"/>
-              <a:t>Michell</a:t>
+              <a:rPr lang="es-CO" sz="2400" b="1" dirty="0"/>
+              <a:t>Michell Esteban </a:t>
             </a:r>
             <a:r>
-              <a:rPr lang="es-CO" sz="2400" b="1" dirty="0"/>
-              <a:t> </a:t>
-            </a:r>
-            <a:r>
-              <a:rPr lang="es-CO" sz="2400" b="1" dirty="0" smtClean="0"/>
-              <a:t>Esteban </a:t>
-            </a:r>
-            <a:r>
-              <a:rPr lang="es-CO" sz="2400" b="1" dirty="0" err="1" smtClean="0"/>
+              <a:rPr lang="es-CO" sz="2400" b="1" dirty="0" err="1"/>
               <a:t>Escarraga</a:t>
             </a:r>
-            <a:endParaRPr lang="es-CO" sz="2400" b="1" dirty="0" smtClean="0"/>
+            <a:endParaRPr lang="es-CO" sz="2400" b="1" dirty="0"/>
           </a:p>
         </p:txBody>
       </p:sp>
@@ -9066,13 +8858,6 @@
   <p:clrMapOvr>
     <a:masterClrMapping/>
   </p:clrMapOvr>
-  <p:timing>
-    <p:tnLst>
-      <p:par>
-        <p:cTn id="1" dur="indefinite" restart="never" nodeType="tmRoot"/>
-      </p:par>
-    </p:tnLst>
-  </p:timing>
 </p:sld>
 </file>
 
@@ -9133,20 +8918,12 @@
           <a:p>
             <a:pPr algn="l"/>
             <a:r>
-              <a:rPr lang="es-CO" sz="5400" b="1" dirty="0" smtClean="0">
+              <a:rPr lang="es-CO" sz="5400" b="1" dirty="0">
                 <a:solidFill>
                   <a:schemeClr val="bg1"/>
                 </a:solidFill>
               </a:rPr>
-              <a:t>Nombre del </a:t>
-            </a:r>
-            <a:r>
-              <a:rPr lang="es-CO" sz="5400" b="1" dirty="0">
-                <a:solidFill>
-                  <a:schemeClr val="bg1"/>
-                </a:solidFill>
-              </a:rPr>
-              <a:t>Proyecto</a:t>
+              <a:t>Nombre del Proyecto</a:t>
             </a:r>
             <a:endParaRPr lang="es-ES" sz="5400" dirty="0">
               <a:solidFill>
@@ -9180,17 +8957,13 @@
             <a:pPr algn="ctr"/>
             <a:r>
               <a:rPr lang="es-CO" sz="2400" b="1" dirty="0"/>
-              <a:t>PROGRAMACIÓN PARÁ </a:t>
-            </a:r>
-            <a:r>
-              <a:rPr lang="es-CO" sz="2400" b="1" dirty="0" smtClean="0"/>
-              <a:t>TODOS</a:t>
+              <a:t>PROGRAMACIÓN PARÁ TODOS</a:t>
             </a:r>
           </a:p>
           <a:p>
             <a:pPr algn="ctr"/>
             <a:r>
-              <a:rPr lang="es-CO" sz="2400" b="1" dirty="0" smtClean="0"/>
+              <a:rPr lang="es-CO" sz="2400" b="1" dirty="0"/>
               <a:t>LCKM INNOVATY</a:t>
             </a:r>
           </a:p>
@@ -9206,13 +8979,6 @@
   <p:clrMapOvr>
     <a:masterClrMapping/>
   </p:clrMapOvr>
-  <p:timing>
-    <p:tnLst>
-      <p:par>
-        <p:cTn id="1" dur="indefinite" restart="never" nodeType="tmRoot"/>
-      </p:par>
-    </p:tnLst>
-  </p:timing>
 </p:sld>
 </file>
 
@@ -10084,13 +9850,6 @@
   <p:clrMapOvr>
     <a:masterClrMapping/>
   </p:clrMapOvr>
-  <p:timing>
-    <p:tnLst>
-      <p:par>
-        <p:cTn id="1" dur="indefinite" restart="never" nodeType="tmRoot"/>
-      </p:par>
-    </p:tnLst>
-  </p:timing>
 </p:sld>
 </file>
 
@@ -10351,13 +10110,13 @@
           <a:lstStyle/>
           <a:p>
             <a:r>
-              <a:rPr lang="es-CO" dirty="0" smtClean="0"/>
+              <a:rPr lang="es-CO" dirty="0"/>
               <a:t>El siguiente proyecto tiene como principal objetivo brindar un entorno de aprendizaje web con el propósito de impactar la nueva era digital que estamos viviendo en la actualidad.</a:t>
             </a:r>
           </a:p>
           <a:p>
             <a:r>
-              <a:rPr lang="es-CO" dirty="0" smtClean="0"/>
+              <a:rPr lang="es-CO" dirty="0"/>
               <a:t>Considerando la gran demanda que esta afrontando en la actualidad por programadores; este software implementara conocimientos básicos y avanzados de diferentes lenguajes de programación mediante un sistema de ejercicios y cursos dispuestos en dicha plataforma; dando como resultado una plantilla web donde se podrá editar y adaptar  su contenido con el fin de promover la industria digital.</a:t>
             </a:r>
           </a:p>
@@ -10373,13 +10132,6 @@
   <p:clrMapOvr>
     <a:masterClrMapping/>
   </p:clrMapOvr>
-  <p:timing>
-    <p:tnLst>
-      <p:par>
-        <p:cTn id="1" dur="indefinite" restart="never" nodeType="tmRoot"/>
-      </p:par>
-    </p:tnLst>
-  </p:timing>
 </p:sld>
 </file>
 
@@ -10478,31 +10230,7 @@
           <a:p>
             <a:r>
               <a:rPr lang="es-CO" dirty="0"/>
-              <a:t>Actualmente el negocio no cuenta con un sistema digital que le permita aumentar sus ventas y llevar un seguimiento de sus productos;  con este sistema de información buscamos impactar mediante los sistemas digitales una pagina web y una </a:t>
-            </a:r>
-            <a:r>
-              <a:rPr lang="es-CO" dirty="0" smtClean="0"/>
-              <a:t>App </a:t>
-            </a:r>
-            <a:r>
-              <a:rPr lang="es-CO" dirty="0"/>
-              <a:t>que permita reforzar el sistema de ventas del local mediante domicilios </a:t>
-            </a:r>
-            <a:r>
-              <a:rPr lang="es-CO" dirty="0" smtClean="0"/>
-              <a:t>vía </a:t>
-            </a:r>
-            <a:r>
-              <a:rPr lang="es-CO" dirty="0"/>
-              <a:t>web y dispositivos móviles a su vez reforzando el sistema de </a:t>
-            </a:r>
-            <a:r>
-              <a:rPr lang="es-CO" dirty="0" smtClean="0"/>
-              <a:t>inventario </a:t>
-            </a:r>
-            <a:r>
-              <a:rPr lang="es-CO" dirty="0"/>
-              <a:t>que manejan en dicho lugar.</a:t>
+              <a:t>Actualmente el negocio no cuenta con un sistema digital que le permita aumentar sus ventas y llevar un seguimiento de sus productos;  con este sistema de información buscamos impactar mediante los sistemas digitales una pagina web y una App que permita reforzar el sistema de ventas del local mediante domicilios vía web y dispositivos móviles a su vez reforzando el sistema de inventario que manejan en dicho lugar.</a:t>
             </a:r>
           </a:p>
           <a:p>
@@ -10513,7 +10241,7 @@
           </a:p>
           <a:p>
             <a:pPr algn="l"/>
-            <a:endParaRPr lang="es-CO" sz="8000" b="1" dirty="0" smtClean="0">
+            <a:endParaRPr lang="es-CO" sz="8000" b="1" dirty="0">
               <a:solidFill>
                 <a:srgbClr val="92D050"/>
               </a:solidFill>
@@ -10531,13 +10259,6 @@
   <p:clrMapOvr>
     <a:masterClrMapping/>
   </p:clrMapOvr>
-  <p:timing>
-    <p:tnLst>
-      <p:par>
-        <p:cTn id="1" dur="indefinite" restart="never" nodeType="tmRoot"/>
-      </p:par>
-    </p:tnLst>
-  </p:timing>
 </p:sld>
 </file>
 
@@ -10799,19 +10520,7 @@
           <a:p>
             <a:r>
               <a:rPr lang="es-CO" dirty="0"/>
-              <a:t>Desarrollar un software de inventariado y domicilios que permita fortalecer en el ámbito digital </a:t>
-            </a:r>
-            <a:r>
-              <a:rPr lang="es-CO" dirty="0" smtClean="0"/>
-              <a:t>del </a:t>
-            </a:r>
-            <a:r>
-              <a:rPr lang="es-CO" dirty="0"/>
-              <a:t>negocio DELI PIZZA con el fin de aumentar sus ventas dentro y fuera del sector mediante </a:t>
-            </a:r>
-            <a:r>
-              <a:rPr lang="es-CO" dirty="0" smtClean="0"/>
-              <a:t>una </a:t>
+              <a:t>Desarrollar un software de inventariado y domicilios que permita fortalecer en el ámbito digital del negocio DELI PIZZA con el fin de aumentar sus ventas dentro y fuera del sector mediante una </a:t>
             </a:r>
             <a:r>
               <a:rPr lang="es-CO" dirty="0" err="1"/>
@@ -10819,27 +10528,7 @@
             </a:r>
             <a:r>
               <a:rPr lang="es-CO" dirty="0"/>
-              <a:t> y una pagina web </a:t>
-            </a:r>
-            <a:r>
-              <a:rPr lang="es-CO" dirty="0" smtClean="0"/>
-              <a:t>satisfaciendo </a:t>
-            </a:r>
-            <a:r>
-              <a:rPr lang="es-CO" dirty="0"/>
-              <a:t>las necesidades de nuestros clientes y que sea más  fácil y eficaz realizar su pedido mejorando favorablemente nuestra empresa e implementando la </a:t>
-            </a:r>
-            <a:r>
-              <a:rPr lang="es-CO" dirty="0" smtClean="0"/>
-              <a:t>tecnología y </a:t>
-            </a:r>
-            <a:r>
-              <a:rPr lang="es-CO" dirty="0"/>
-              <a:t>nuevos medios de </a:t>
-            </a:r>
-            <a:r>
-              <a:rPr lang="es-CO" dirty="0" smtClean="0"/>
-              <a:t>pago.</a:t>
+              <a:t> y una pagina web satisfaciendo las necesidades de nuestros clientes y que sea más  fácil y eficaz realizar su pedido mejorando favorablemente nuestra empresa e implementando la tecnología y nuevos medios de pago.</a:t>
             </a:r>
             <a:endParaRPr lang="es-ES" dirty="0"/>
           </a:p>
@@ -10855,13 +10544,6 @@
   <p:clrMapOvr>
     <a:masterClrMapping/>
   </p:clrMapOvr>
-  <p:timing>
-    <p:tnLst>
-      <p:par>
-        <p:cTn id="1" dur="indefinite" restart="never" nodeType="tmRoot"/>
-      </p:par>
-    </p:tnLst>
-  </p:timing>
 </p:sld>
 </file>
 
@@ -10967,46 +10649,8 @@
                 <a:latin typeface="Arial" panose="020B0604020202020204" pitchFamily="34" charset="0"/>
                 <a:cs typeface="Arial" panose="020B0604020202020204" pitchFamily="34" charset="0"/>
               </a:rPr>
-              <a:t>•	</a:t>
+              <a:t>•	promover el sistema de ventas del local</a:t>
             </a:r>
-            <a:r>
-              <a:rPr lang="es-CO" sz="1600" dirty="0" smtClean="0">
-                <a:latin typeface="Arial" panose="020B0604020202020204" pitchFamily="34" charset="0"/>
-                <a:cs typeface="Arial" panose="020B0604020202020204" pitchFamily="34" charset="0"/>
-              </a:rPr>
-              <a:t>promover el sistema de ventas del local</a:t>
-            </a:r>
-          </a:p>
-          <a:p>
-            <a:pPr marL="171450" indent="-171450">
-              <a:buFont typeface="Arial" panose="020B0604020202020204" pitchFamily="34" charset="0"/>
-              <a:buChar char="•"/>
-            </a:pPr>
-            <a:r>
-              <a:rPr lang="es-CO" sz="1600" dirty="0" smtClean="0">
-                <a:latin typeface="Arial" panose="020B0604020202020204" pitchFamily="34" charset="0"/>
-                <a:cs typeface="Arial" panose="020B0604020202020204" pitchFamily="34" charset="0"/>
-              </a:rPr>
-              <a:t>•</a:t>
-            </a:r>
-            <a:r>
-              <a:rPr lang="es-CO" sz="1600" dirty="0">
-                <a:latin typeface="Arial" panose="020B0604020202020204" pitchFamily="34" charset="0"/>
-                <a:cs typeface="Arial" panose="020B0604020202020204" pitchFamily="34" charset="0"/>
-              </a:rPr>
-              <a:t>	</a:t>
-            </a:r>
-            <a:r>
-              <a:rPr lang="es-CO" sz="1600" dirty="0" smtClean="0">
-                <a:latin typeface="Arial" panose="020B0604020202020204" pitchFamily="34" charset="0"/>
-                <a:cs typeface="Arial" panose="020B0604020202020204" pitchFamily="34" charset="0"/>
-              </a:rPr>
-              <a:t>brindar de manera sencilla y eficiente una manera de hacer pedidos </a:t>
-            </a:r>
-            <a:endParaRPr lang="es-CO" sz="1600" dirty="0">
-              <a:latin typeface="Arial" panose="020B0604020202020204" pitchFamily="34" charset="0"/>
-              <a:cs typeface="Arial" panose="020B0604020202020204" pitchFamily="34" charset="0"/>
-            </a:endParaRPr>
           </a:p>
           <a:p>
             <a:pPr marL="171450" indent="-171450">
@@ -11018,14 +10662,7 @@
                 <a:latin typeface="Arial" panose="020B0604020202020204" pitchFamily="34" charset="0"/>
                 <a:cs typeface="Arial" panose="020B0604020202020204" pitchFamily="34" charset="0"/>
               </a:rPr>
-              <a:t>•	</a:t>
-            </a:r>
-            <a:r>
-              <a:rPr lang="es-CO" sz="1600" dirty="0" smtClean="0">
-                <a:latin typeface="Arial" panose="020B0604020202020204" pitchFamily="34" charset="0"/>
-                <a:cs typeface="Arial" panose="020B0604020202020204" pitchFamily="34" charset="0"/>
-              </a:rPr>
-              <a:t>Desarrollar una App que muestre a detalle la interfaz web</a:t>
+              <a:t>•	brindar de manera sencilla y eficiente una manera de hacer pedidos </a:t>
             </a:r>
           </a:p>
           <a:p>
@@ -11034,27 +10671,26 @@
               <a:buChar char="•"/>
             </a:pPr>
             <a:r>
-              <a:rPr lang="es-CO" sz="1600" dirty="0" smtClean="0">
+              <a:rPr lang="es-CO" sz="1600" dirty="0">
                 <a:latin typeface="Arial" panose="020B0604020202020204" pitchFamily="34" charset="0"/>
                 <a:cs typeface="Arial" panose="020B0604020202020204" pitchFamily="34" charset="0"/>
               </a:rPr>
-              <a:t>•</a:t>
+              <a:t>•	Desarrollar una App que muestre a detalle la interfaz web</a:t>
             </a:r>
+          </a:p>
+          <a:p>
+            <a:pPr marL="171450" indent="-171450">
+              <a:buFont typeface="Arial" panose="020B0604020202020204" pitchFamily="34" charset="0"/>
+              <a:buChar char="•"/>
+            </a:pPr>
             <a:r>
               <a:rPr lang="es-CO" sz="1600" dirty="0">
                 <a:latin typeface="Arial" panose="020B0604020202020204" pitchFamily="34" charset="0"/>
                 <a:cs typeface="Arial" panose="020B0604020202020204" pitchFamily="34" charset="0"/>
               </a:rPr>
-              <a:t>	</a:t>
+              <a:t>•	crear un entorno donde los clientes puedan dar sus sugerencias para el crecimiento del negocio.</a:t>
             </a:r>
-            <a:r>
-              <a:rPr lang="es-CO" sz="1600" dirty="0" smtClean="0">
-                <a:latin typeface="Arial" panose="020B0604020202020204" pitchFamily="34" charset="0"/>
-                <a:cs typeface="Arial" panose="020B0604020202020204" pitchFamily="34" charset="0"/>
-              </a:rPr>
-              <a:t>crear un entorno donde los clientes puedan dar sus sugerencias para el crecimiento del negocio.</a:t>
-            </a:r>
-            <a:endParaRPr lang="es-CO" sz="1200" dirty="0" smtClean="0">
+            <a:endParaRPr lang="es-CO" sz="1200" dirty="0">
               <a:latin typeface="Arial" panose="020B0604020202020204" pitchFamily="34" charset="0"/>
               <a:cs typeface="Arial" panose="020B0604020202020204" pitchFamily="34" charset="0"/>
             </a:endParaRPr>
@@ -11071,13 +10707,6 @@
   <p:clrMapOvr>
     <a:masterClrMapping/>
   </p:clrMapOvr>
-  <p:timing>
-    <p:tnLst>
-      <p:par>
-        <p:cTn id="1" dur="indefinite" restart="never" nodeType="tmRoot"/>
-      </p:par>
-    </p:tnLst>
-  </p:timing>
 </p:sld>
 </file>
 
